--- a/slides/LED-figures.pptx
+++ b/slides/LED-figures.pptx
@@ -6,8 +6,10 @@
   </p:sldMasterIdLst>
   <p:sldIdLst>
     <p:sldId id="256" r:id="rId2"/>
-    <p:sldId id="257" r:id="rId3"/>
-    <p:sldId id="258" r:id="rId4"/>
+    <p:sldId id="260" r:id="rId3"/>
+    <p:sldId id="259" r:id="rId4"/>
+    <p:sldId id="257" r:id="rId5"/>
+    <p:sldId id="258" r:id="rId6"/>
   </p:sldIdLst>
   <p:sldSz cx="12192000" cy="6858000"/>
   <p:notesSz cx="6858000" cy="9144000"/>
@@ -4885,6 +4887,2166 @@
       </p:grpSpPr>
       <p:sp>
         <p:nvSpPr>
+          <p:cNvPr id="8" name="Can 7">
+            <a:extLst>
+              <a:ext uri="{FF2B5EF4-FFF2-40B4-BE49-F238E27FC236}">
+                <a16:creationId xmlns:a16="http://schemas.microsoft.com/office/drawing/2014/main" id="{6CFE6B31-A62D-9AEE-E22F-6A13F478966A}"/>
+              </a:ext>
+            </a:extLst>
+          </p:cNvPr>
+          <p:cNvSpPr/>
+          <p:nvPr/>
+        </p:nvSpPr>
+        <p:spPr>
+          <a:xfrm rot="5400000">
+            <a:off x="2245361" y="2737168"/>
+            <a:ext cx="548638" cy="1584960"/>
+          </a:xfrm>
+          <a:prstGeom prst="can">
+            <a:avLst/>
+          </a:prstGeom>
+          <a:solidFill>
+            <a:srgbClr val="FFC000"/>
+          </a:solidFill>
+        </p:spPr>
+        <p:style>
+          <a:lnRef idx="2">
+            <a:schemeClr val="accent1">
+              <a:shade val="15000"/>
+            </a:schemeClr>
+          </a:lnRef>
+          <a:fillRef idx="1">
+            <a:schemeClr val="accent1"/>
+          </a:fillRef>
+          <a:effectRef idx="0">
+            <a:schemeClr val="accent1"/>
+          </a:effectRef>
+          <a:fontRef idx="minor">
+            <a:schemeClr val="lt1"/>
+          </a:fontRef>
+        </p:style>
+        <p:txBody>
+          <a:bodyPr rtlCol="0" anchor="ctr"/>
+          <a:lstStyle/>
+          <a:p>
+            <a:pPr algn="ctr"/>
+            <a:endParaRPr lang="en-US"/>
+          </a:p>
+        </p:txBody>
+      </p:sp>
+      <p:sp>
+        <p:nvSpPr>
+          <p:cNvPr id="7" name="Can 6">
+            <a:extLst>
+              <a:ext uri="{FF2B5EF4-FFF2-40B4-BE49-F238E27FC236}">
+                <a16:creationId xmlns:a16="http://schemas.microsoft.com/office/drawing/2014/main" id="{A3043B36-7D9D-D116-CBFE-C7F9EAA0B1FA}"/>
+              </a:ext>
+            </a:extLst>
+          </p:cNvPr>
+          <p:cNvSpPr/>
+          <p:nvPr/>
+        </p:nvSpPr>
+        <p:spPr>
+          <a:xfrm rot="5400000">
+            <a:off x="2286001" y="1656080"/>
+            <a:ext cx="548638" cy="1666240"/>
+          </a:xfrm>
+          <a:prstGeom prst="can">
+            <a:avLst/>
+          </a:prstGeom>
+          <a:solidFill>
+            <a:srgbClr val="FFC000"/>
+          </a:solidFill>
+        </p:spPr>
+        <p:style>
+          <a:lnRef idx="2">
+            <a:schemeClr val="accent1">
+              <a:shade val="15000"/>
+            </a:schemeClr>
+          </a:lnRef>
+          <a:fillRef idx="1">
+            <a:schemeClr val="accent1"/>
+          </a:fillRef>
+          <a:effectRef idx="0">
+            <a:schemeClr val="accent1"/>
+          </a:effectRef>
+          <a:fontRef idx="minor">
+            <a:schemeClr val="lt1"/>
+          </a:fontRef>
+        </p:style>
+        <p:txBody>
+          <a:bodyPr rtlCol="0" anchor="ctr"/>
+          <a:lstStyle/>
+          <a:p>
+            <a:pPr algn="ctr"/>
+            <a:endParaRPr lang="en-US"/>
+          </a:p>
+        </p:txBody>
+      </p:sp>
+      <p:sp>
+        <p:nvSpPr>
+          <p:cNvPr id="2" name="Title 1">
+            <a:extLst>
+              <a:ext uri="{FF2B5EF4-FFF2-40B4-BE49-F238E27FC236}">
+                <a16:creationId xmlns:a16="http://schemas.microsoft.com/office/drawing/2014/main" id="{3703848F-F16F-BE5C-AAD8-8BC69B329FA9}"/>
+              </a:ext>
+            </a:extLst>
+          </p:cNvPr>
+          <p:cNvSpPr>
+            <a:spLocks noGrp="1"/>
+          </p:cNvSpPr>
+          <p:nvPr>
+            <p:ph type="title"/>
+          </p:nvPr>
+        </p:nvSpPr>
+        <p:spPr/>
+        <p:txBody>
+          <a:bodyPr/>
+          <a:lstStyle/>
+          <a:p>
+            <a:endParaRPr lang="en-US"/>
+          </a:p>
+        </p:txBody>
+      </p:sp>
+      <p:sp>
+        <p:nvSpPr>
+          <p:cNvPr id="3" name="Content Placeholder 2">
+            <a:extLst>
+              <a:ext uri="{FF2B5EF4-FFF2-40B4-BE49-F238E27FC236}">
+                <a16:creationId xmlns:a16="http://schemas.microsoft.com/office/drawing/2014/main" id="{21D1E118-9114-3A41-7550-C0CF5BAAA6B4}"/>
+              </a:ext>
+            </a:extLst>
+          </p:cNvPr>
+          <p:cNvSpPr>
+            <a:spLocks noGrp="1"/>
+          </p:cNvSpPr>
+          <p:nvPr>
+            <p:ph idx="1"/>
+          </p:nvPr>
+        </p:nvSpPr>
+        <p:spPr>
+          <a:xfrm>
+            <a:off x="838200" y="4602479"/>
+            <a:ext cx="10515600" cy="1574483"/>
+          </a:xfrm>
+        </p:spPr>
+        <p:txBody>
+          <a:bodyPr/>
+          <a:lstStyle/>
+          <a:p>
+            <a:endParaRPr lang="en-US" dirty="0"/>
+          </a:p>
+        </p:txBody>
+      </p:sp>
+      <p:sp>
+        <p:nvSpPr>
+          <p:cNvPr id="4" name="Rectangle 3">
+            <a:extLst>
+              <a:ext uri="{FF2B5EF4-FFF2-40B4-BE49-F238E27FC236}">
+                <a16:creationId xmlns:a16="http://schemas.microsoft.com/office/drawing/2014/main" id="{ED0C646D-7E25-A390-1A3E-09892514A924}"/>
+              </a:ext>
+            </a:extLst>
+          </p:cNvPr>
+          <p:cNvSpPr/>
+          <p:nvPr/>
+        </p:nvSpPr>
+        <p:spPr>
+          <a:xfrm>
+            <a:off x="3312160" y="2286000"/>
+            <a:ext cx="1534160" cy="406400"/>
+          </a:xfrm>
+          <a:prstGeom prst="rect">
+            <a:avLst/>
+          </a:prstGeom>
+          <a:solidFill>
+            <a:schemeClr val="bg1">
+              <a:lumMod val="50000"/>
+            </a:schemeClr>
+          </a:solidFill>
+          <a:ln>
+            <a:solidFill>
+              <a:schemeClr val="tx1"/>
+            </a:solidFill>
+          </a:ln>
+        </p:spPr>
+        <p:style>
+          <a:lnRef idx="2">
+            <a:schemeClr val="accent1">
+              <a:shade val="15000"/>
+            </a:schemeClr>
+          </a:lnRef>
+          <a:fillRef idx="1">
+            <a:schemeClr val="accent1"/>
+          </a:fillRef>
+          <a:effectRef idx="0">
+            <a:schemeClr val="accent1"/>
+          </a:effectRef>
+          <a:fontRef idx="minor">
+            <a:schemeClr val="lt1"/>
+          </a:fontRef>
+        </p:style>
+        <p:txBody>
+          <a:bodyPr rtlCol="0" anchor="ctr"/>
+          <a:lstStyle/>
+          <a:p>
+            <a:pPr algn="ctr"/>
+            <a:endParaRPr lang="en-US"/>
+          </a:p>
+        </p:txBody>
+      </p:sp>
+      <p:sp>
+        <p:nvSpPr>
+          <p:cNvPr id="5" name="Oval 4">
+            <a:extLst>
+              <a:ext uri="{FF2B5EF4-FFF2-40B4-BE49-F238E27FC236}">
+                <a16:creationId xmlns:a16="http://schemas.microsoft.com/office/drawing/2014/main" id="{C356016A-A9C4-CDC0-5F0E-DFE6144F8728}"/>
+              </a:ext>
+            </a:extLst>
+          </p:cNvPr>
+          <p:cNvSpPr/>
+          <p:nvPr/>
+        </p:nvSpPr>
+        <p:spPr>
+          <a:xfrm>
+            <a:off x="3865880" y="2418080"/>
+            <a:ext cx="279400" cy="152400"/>
+          </a:xfrm>
+          <a:prstGeom prst="ellipse">
+            <a:avLst/>
+          </a:prstGeom>
+          <a:solidFill>
+            <a:schemeClr val="bg1"/>
+          </a:solidFill>
+        </p:spPr>
+        <p:style>
+          <a:lnRef idx="2">
+            <a:schemeClr val="accent1">
+              <a:shade val="15000"/>
+            </a:schemeClr>
+          </a:lnRef>
+          <a:fillRef idx="1">
+            <a:schemeClr val="accent1"/>
+          </a:fillRef>
+          <a:effectRef idx="0">
+            <a:schemeClr val="accent1"/>
+          </a:effectRef>
+          <a:fontRef idx="minor">
+            <a:schemeClr val="lt1"/>
+          </a:fontRef>
+        </p:style>
+        <p:txBody>
+          <a:bodyPr rtlCol="0" anchor="ctr"/>
+          <a:lstStyle/>
+          <a:p>
+            <a:pPr algn="ctr"/>
+            <a:endParaRPr lang="en-US"/>
+          </a:p>
+        </p:txBody>
+      </p:sp>
+      <p:sp>
+        <p:nvSpPr>
+          <p:cNvPr id="6" name="Rectangle 5">
+            <a:extLst>
+              <a:ext uri="{FF2B5EF4-FFF2-40B4-BE49-F238E27FC236}">
+                <a16:creationId xmlns:a16="http://schemas.microsoft.com/office/drawing/2014/main" id="{DF1EAA5B-DABF-BABB-B0AC-C5EBC53BA06C}"/>
+              </a:ext>
+            </a:extLst>
+          </p:cNvPr>
+          <p:cNvSpPr/>
+          <p:nvPr/>
+        </p:nvSpPr>
+        <p:spPr>
+          <a:xfrm>
+            <a:off x="3241040" y="3328352"/>
+            <a:ext cx="1534160" cy="406400"/>
+          </a:xfrm>
+          <a:prstGeom prst="rect">
+            <a:avLst/>
+          </a:prstGeom>
+          <a:solidFill>
+            <a:schemeClr val="bg1">
+              <a:lumMod val="50000"/>
+            </a:schemeClr>
+          </a:solidFill>
+          <a:ln>
+            <a:solidFill>
+              <a:schemeClr val="tx1"/>
+            </a:solidFill>
+          </a:ln>
+        </p:spPr>
+        <p:style>
+          <a:lnRef idx="2">
+            <a:schemeClr val="accent1">
+              <a:shade val="15000"/>
+            </a:schemeClr>
+          </a:lnRef>
+          <a:fillRef idx="1">
+            <a:schemeClr val="accent1"/>
+          </a:fillRef>
+          <a:effectRef idx="0">
+            <a:schemeClr val="accent1"/>
+          </a:effectRef>
+          <a:fontRef idx="minor">
+            <a:schemeClr val="lt1"/>
+          </a:fontRef>
+        </p:style>
+        <p:txBody>
+          <a:bodyPr rtlCol="0" anchor="ctr"/>
+          <a:lstStyle/>
+          <a:p>
+            <a:pPr algn="ctr"/>
+            <a:endParaRPr lang="en-US"/>
+          </a:p>
+        </p:txBody>
+      </p:sp>
+      <p:sp>
+        <p:nvSpPr>
+          <p:cNvPr id="9" name="TextBox 8">
+            <a:extLst>
+              <a:ext uri="{FF2B5EF4-FFF2-40B4-BE49-F238E27FC236}">
+                <a16:creationId xmlns:a16="http://schemas.microsoft.com/office/drawing/2014/main" id="{D3C63B5A-2195-D46B-13E7-C77DF356DB83}"/>
+              </a:ext>
+            </a:extLst>
+          </p:cNvPr>
+          <p:cNvSpPr txBox="1"/>
+          <p:nvPr/>
+        </p:nvSpPr>
+        <p:spPr>
+          <a:xfrm>
+            <a:off x="5170005" y="2287002"/>
+            <a:ext cx="2522550" cy="461665"/>
+          </a:xfrm>
+          <a:prstGeom prst="rect">
+            <a:avLst/>
+          </a:prstGeom>
+          <a:noFill/>
+        </p:spPr>
+        <p:txBody>
+          <a:bodyPr wrap="none" rtlCol="0">
+            <a:spAutoFit/>
+          </a:bodyPr>
+          <a:lstStyle/>
+          <a:p>
+            <a:r>
+              <a:rPr lang="en-US" sz="2400" dirty="0"/>
+              <a:t>Positive + (anode)</a:t>
+            </a:r>
+          </a:p>
+        </p:txBody>
+      </p:sp>
+      <p:sp>
+        <p:nvSpPr>
+          <p:cNvPr id="10" name="TextBox 9">
+            <a:extLst>
+              <a:ext uri="{FF2B5EF4-FFF2-40B4-BE49-F238E27FC236}">
+                <a16:creationId xmlns:a16="http://schemas.microsoft.com/office/drawing/2014/main" id="{81BBA760-2DA7-C56F-D569-AC5F1C870F09}"/>
+              </a:ext>
+            </a:extLst>
+          </p:cNvPr>
+          <p:cNvSpPr txBox="1"/>
+          <p:nvPr/>
+        </p:nvSpPr>
+        <p:spPr>
+          <a:xfrm>
+            <a:off x="5171440" y="3313667"/>
+            <a:ext cx="2847639" cy="461665"/>
+          </a:xfrm>
+          <a:prstGeom prst="rect">
+            <a:avLst/>
+          </a:prstGeom>
+          <a:noFill/>
+        </p:spPr>
+        <p:txBody>
+          <a:bodyPr wrap="none" rtlCol="0">
+            <a:spAutoFit/>
+          </a:bodyPr>
+          <a:lstStyle/>
+          <a:p>
+            <a:r>
+              <a:rPr lang="en-US" sz="2400" dirty="0"/>
+              <a:t>Negative - (cathode)</a:t>
+            </a:r>
+          </a:p>
+        </p:txBody>
+      </p:sp>
+    </p:spTree>
+    <p:extLst>
+      <p:ext uri="{BB962C8B-B14F-4D97-AF65-F5344CB8AC3E}">
+        <p14:creationId xmlns:p14="http://schemas.microsoft.com/office/powerpoint/2010/main" val="2834477453"/>
+      </p:ext>
+    </p:extLst>
+  </p:cSld>
+  <p:clrMapOvr>
+    <a:masterClrMapping/>
+  </p:clrMapOvr>
+</p:sld>
+</file>
+
+<file path=ppt/slides/slide3.xml><?xml version="1.0" encoding="utf-8"?>
+<p:sld xmlns:a="http://schemas.openxmlformats.org/drawingml/2006/main" xmlns:r="http://schemas.openxmlformats.org/officeDocument/2006/relationships" xmlns:p="http://schemas.openxmlformats.org/presentationml/2006/main">
+  <p:cSld>
+    <p:spTree>
+      <p:nvGrpSpPr>
+        <p:cNvPr id="1" name=""/>
+        <p:cNvGrpSpPr/>
+        <p:nvPr/>
+      </p:nvGrpSpPr>
+      <p:grpSpPr>
+        <a:xfrm>
+          <a:off x="0" y="0"/>
+          <a:ext cx="0" cy="0"/>
+          <a:chOff x="0" y="0"/>
+          <a:chExt cx="0" cy="0"/>
+        </a:xfrm>
+      </p:grpSpPr>
+      <p:sp>
+        <p:nvSpPr>
+          <p:cNvPr id="2" name="Title 1">
+            <a:extLst>
+              <a:ext uri="{FF2B5EF4-FFF2-40B4-BE49-F238E27FC236}">
+                <a16:creationId xmlns:a16="http://schemas.microsoft.com/office/drawing/2014/main" id="{DC5246D8-3329-DE16-1B6A-1C20E13AF477}"/>
+              </a:ext>
+            </a:extLst>
+          </p:cNvPr>
+          <p:cNvSpPr>
+            <a:spLocks noGrp="1"/>
+          </p:cNvSpPr>
+          <p:nvPr>
+            <p:ph type="title"/>
+          </p:nvPr>
+        </p:nvSpPr>
+        <p:spPr/>
+        <p:txBody>
+          <a:bodyPr/>
+          <a:lstStyle/>
+          <a:p>
+            <a:r>
+              <a:rPr lang="en-US" dirty="0"/>
+              <a:t>Testing</a:t>
+            </a:r>
+          </a:p>
+        </p:txBody>
+      </p:sp>
+      <p:sp>
+        <p:nvSpPr>
+          <p:cNvPr id="3" name="Content Placeholder 2">
+            <a:extLst>
+              <a:ext uri="{FF2B5EF4-FFF2-40B4-BE49-F238E27FC236}">
+                <a16:creationId xmlns:a16="http://schemas.microsoft.com/office/drawing/2014/main" id="{89B8C55A-1410-E8B2-9AD3-BB7531645CF3}"/>
+              </a:ext>
+            </a:extLst>
+          </p:cNvPr>
+          <p:cNvSpPr>
+            <a:spLocks noGrp="1"/>
+          </p:cNvSpPr>
+          <p:nvPr>
+            <p:ph idx="1"/>
+          </p:nvPr>
+        </p:nvSpPr>
+        <p:spPr>
+          <a:xfrm>
+            <a:off x="838200" y="5740399"/>
+            <a:ext cx="10515600" cy="436563"/>
+          </a:xfrm>
+        </p:spPr>
+        <p:txBody>
+          <a:bodyPr>
+            <a:normAutofit fontScale="92500" lnSpcReduction="10000"/>
+          </a:bodyPr>
+          <a:lstStyle/>
+          <a:p>
+            <a:endParaRPr lang="en-US" dirty="0"/>
+          </a:p>
+        </p:txBody>
+      </p:sp>
+      <p:sp>
+        <p:nvSpPr>
+          <p:cNvPr id="5" name="Rectangle 4">
+            <a:extLst>
+              <a:ext uri="{FF2B5EF4-FFF2-40B4-BE49-F238E27FC236}">
+                <a16:creationId xmlns:a16="http://schemas.microsoft.com/office/drawing/2014/main" id="{621C2CB7-F785-664C-2637-186A5D362C4D}"/>
+              </a:ext>
+            </a:extLst>
+          </p:cNvPr>
+          <p:cNvSpPr/>
+          <p:nvPr/>
+        </p:nvSpPr>
+        <p:spPr>
+          <a:xfrm>
+            <a:off x="996499" y="1652167"/>
+            <a:ext cx="1300480" cy="2367280"/>
+          </a:xfrm>
+          <a:prstGeom prst="rect">
+            <a:avLst/>
+          </a:prstGeom>
+          <a:solidFill>
+            <a:schemeClr val="bg2">
+              <a:lumMod val="50000"/>
+            </a:schemeClr>
+          </a:solidFill>
+        </p:spPr>
+        <p:style>
+          <a:lnRef idx="2">
+            <a:schemeClr val="accent1">
+              <a:shade val="15000"/>
+            </a:schemeClr>
+          </a:lnRef>
+          <a:fillRef idx="1">
+            <a:schemeClr val="accent1"/>
+          </a:fillRef>
+          <a:effectRef idx="0">
+            <a:schemeClr val="accent1"/>
+          </a:effectRef>
+          <a:fontRef idx="minor">
+            <a:schemeClr val="lt1"/>
+          </a:fontRef>
+        </p:style>
+        <p:txBody>
+          <a:bodyPr rtlCol="0" anchor="ctr"/>
+          <a:lstStyle/>
+          <a:p>
+            <a:pPr algn="ctr"/>
+            <a:endParaRPr lang="en-US"/>
+          </a:p>
+        </p:txBody>
+      </p:sp>
+      <p:grpSp>
+        <p:nvGrpSpPr>
+          <p:cNvPr id="6" name="Group 5">
+            <a:extLst>
+              <a:ext uri="{FF2B5EF4-FFF2-40B4-BE49-F238E27FC236}">
+                <a16:creationId xmlns:a16="http://schemas.microsoft.com/office/drawing/2014/main" id="{4E909948-C7CB-F2BF-31C3-92EBD851FD84}"/>
+              </a:ext>
+            </a:extLst>
+          </p:cNvPr>
+          <p:cNvGrpSpPr/>
+          <p:nvPr/>
+        </p:nvGrpSpPr>
+        <p:grpSpPr>
+          <a:xfrm>
+            <a:off x="1097915" y="1831134"/>
+            <a:ext cx="474879" cy="2014309"/>
+            <a:chOff x="8212327" y="2316591"/>
+            <a:chExt cx="251651" cy="1064784"/>
+          </a:xfrm>
+        </p:grpSpPr>
+        <p:sp>
+          <p:nvSpPr>
+            <p:cNvPr id="15" name="Can 14">
+              <a:extLst>
+                <a:ext uri="{FF2B5EF4-FFF2-40B4-BE49-F238E27FC236}">
+                  <a16:creationId xmlns:a16="http://schemas.microsoft.com/office/drawing/2014/main" id="{0655F38A-134F-689C-241F-362B33A1190C}"/>
+                </a:ext>
+              </a:extLst>
+            </p:cNvPr>
+            <p:cNvSpPr/>
+            <p:nvPr/>
+          </p:nvSpPr>
+          <p:spPr>
+            <a:xfrm>
+              <a:off x="8212327" y="2556871"/>
+              <a:ext cx="251651" cy="824504"/>
+            </a:xfrm>
+            <a:prstGeom prst="can">
+              <a:avLst/>
+            </a:prstGeom>
+            <a:solidFill>
+              <a:schemeClr val="tx1"/>
+            </a:solidFill>
+            <a:ln w="9525"/>
+          </p:spPr>
+          <p:style>
+            <a:lnRef idx="2">
+              <a:schemeClr val="accent1">
+                <a:shade val="15000"/>
+              </a:schemeClr>
+            </a:lnRef>
+            <a:fillRef idx="1">
+              <a:schemeClr val="accent1"/>
+            </a:fillRef>
+            <a:effectRef idx="0">
+              <a:schemeClr val="accent1"/>
+            </a:effectRef>
+            <a:fontRef idx="minor">
+              <a:schemeClr val="lt1"/>
+            </a:fontRef>
+          </p:style>
+          <p:txBody>
+            <a:bodyPr rtlCol="0" anchor="ctr"/>
+            <a:lstStyle/>
+            <a:p>
+              <a:pPr algn="ctr"/>
+              <a:endParaRPr lang="en-US"/>
+            </a:p>
+          </p:txBody>
+        </p:sp>
+        <p:sp>
+          <p:nvSpPr>
+            <p:cNvPr id="16" name="Can 15">
+              <a:extLst>
+                <a:ext uri="{FF2B5EF4-FFF2-40B4-BE49-F238E27FC236}">
+                  <a16:creationId xmlns:a16="http://schemas.microsoft.com/office/drawing/2014/main" id="{80C460BF-BFF0-944A-6A40-2A1C0B2A78F4}"/>
+                </a:ext>
+              </a:extLst>
+            </p:cNvPr>
+            <p:cNvSpPr/>
+            <p:nvPr/>
+          </p:nvSpPr>
+          <p:spPr>
+            <a:xfrm>
+              <a:off x="8212327" y="2316591"/>
+              <a:ext cx="251651" cy="330060"/>
+            </a:xfrm>
+            <a:prstGeom prst="can">
+              <a:avLst>
+                <a:gd name="adj" fmla="val 18692"/>
+              </a:avLst>
+            </a:prstGeom>
+            <a:solidFill>
+              <a:srgbClr val="C85500"/>
+            </a:solidFill>
+            <a:ln w="9525"/>
+          </p:spPr>
+          <p:style>
+            <a:lnRef idx="2">
+              <a:schemeClr val="accent1">
+                <a:shade val="15000"/>
+              </a:schemeClr>
+            </a:lnRef>
+            <a:fillRef idx="1">
+              <a:schemeClr val="accent1"/>
+            </a:fillRef>
+            <a:effectRef idx="0">
+              <a:schemeClr val="accent1"/>
+            </a:effectRef>
+            <a:fontRef idx="minor">
+              <a:schemeClr val="lt1"/>
+            </a:fontRef>
+          </p:style>
+          <p:txBody>
+            <a:bodyPr rtlCol="0" anchor="ctr"/>
+            <a:lstStyle/>
+            <a:p>
+              <a:pPr algn="ctr"/>
+              <a:endParaRPr lang="en-US"/>
+            </a:p>
+          </p:txBody>
+        </p:sp>
+        <p:sp>
+          <p:nvSpPr>
+            <p:cNvPr id="17" name="TextBox 16">
+              <a:extLst>
+                <a:ext uri="{FF2B5EF4-FFF2-40B4-BE49-F238E27FC236}">
+                  <a16:creationId xmlns:a16="http://schemas.microsoft.com/office/drawing/2014/main" id="{B131F238-F3D6-886B-D155-E2CBC782118C}"/>
+                </a:ext>
+              </a:extLst>
+            </p:cNvPr>
+            <p:cNvSpPr txBox="1"/>
+            <p:nvPr/>
+          </p:nvSpPr>
+          <p:spPr>
+            <a:xfrm>
+              <a:off x="8270660" y="2411980"/>
+              <a:ext cx="133350" cy="144891"/>
+            </a:xfrm>
+            <a:prstGeom prst="rect">
+              <a:avLst/>
+            </a:prstGeom>
+            <a:noFill/>
+          </p:spPr>
+          <p:txBody>
+            <a:bodyPr wrap="square" lIns="0" tIns="0" rIns="0" bIns="0" rtlCol="0" anchor="ctr" anchorCtr="0">
+              <a:noAutofit/>
+            </a:bodyPr>
+            <a:lstStyle/>
+            <a:p>
+              <a:pPr algn="ctr"/>
+              <a:r>
+                <a:rPr lang="en-US" dirty="0"/>
+                <a:t>+</a:t>
+              </a:r>
+            </a:p>
+          </p:txBody>
+        </p:sp>
+      </p:grpSp>
+      <p:grpSp>
+        <p:nvGrpSpPr>
+          <p:cNvPr id="8" name="Group 7">
+            <a:extLst>
+              <a:ext uri="{FF2B5EF4-FFF2-40B4-BE49-F238E27FC236}">
+                <a16:creationId xmlns:a16="http://schemas.microsoft.com/office/drawing/2014/main" id="{6ACB1EAA-559A-D3D2-C683-0F9191033385}"/>
+              </a:ext>
+            </a:extLst>
+          </p:cNvPr>
+          <p:cNvGrpSpPr/>
+          <p:nvPr/>
+        </p:nvGrpSpPr>
+        <p:grpSpPr>
+          <a:xfrm>
+            <a:off x="1664003" y="1817170"/>
+            <a:ext cx="474879" cy="2018149"/>
+            <a:chOff x="9598074" y="2002787"/>
+            <a:chExt cx="251651" cy="1066814"/>
+          </a:xfrm>
+        </p:grpSpPr>
+        <p:sp>
+          <p:nvSpPr>
+            <p:cNvPr id="9" name="Can 8">
+              <a:extLst>
+                <a:ext uri="{FF2B5EF4-FFF2-40B4-BE49-F238E27FC236}">
+                  <a16:creationId xmlns:a16="http://schemas.microsoft.com/office/drawing/2014/main" id="{8979104C-9593-5A3D-7E71-FF66206549F2}"/>
+                </a:ext>
+              </a:extLst>
+            </p:cNvPr>
+            <p:cNvSpPr/>
+            <p:nvPr/>
+          </p:nvSpPr>
+          <p:spPr>
+            <a:xfrm>
+              <a:off x="9598074" y="2739541"/>
+              <a:ext cx="251651" cy="330060"/>
+            </a:xfrm>
+            <a:prstGeom prst="can">
+              <a:avLst>
+                <a:gd name="adj" fmla="val 18692"/>
+              </a:avLst>
+            </a:prstGeom>
+            <a:solidFill>
+              <a:srgbClr val="C85500"/>
+            </a:solidFill>
+            <a:ln w="9525"/>
+          </p:spPr>
+          <p:style>
+            <a:lnRef idx="2">
+              <a:schemeClr val="accent1">
+                <a:shade val="15000"/>
+              </a:schemeClr>
+            </a:lnRef>
+            <a:fillRef idx="1">
+              <a:schemeClr val="accent1"/>
+            </a:fillRef>
+            <a:effectRef idx="0">
+              <a:schemeClr val="accent1"/>
+            </a:effectRef>
+            <a:fontRef idx="minor">
+              <a:schemeClr val="lt1"/>
+            </a:fontRef>
+          </p:style>
+          <p:txBody>
+            <a:bodyPr rtlCol="0" anchor="ctr"/>
+            <a:lstStyle/>
+            <a:p>
+              <a:pPr algn="ctr"/>
+              <a:endParaRPr lang="en-US"/>
+            </a:p>
+          </p:txBody>
+        </p:sp>
+        <p:sp>
+          <p:nvSpPr>
+            <p:cNvPr id="10" name="Can 9">
+              <a:extLst>
+                <a:ext uri="{FF2B5EF4-FFF2-40B4-BE49-F238E27FC236}">
+                  <a16:creationId xmlns:a16="http://schemas.microsoft.com/office/drawing/2014/main" id="{3F6B6240-28BA-FDE8-8D64-E57DEBA32E1F}"/>
+                </a:ext>
+              </a:extLst>
+            </p:cNvPr>
+            <p:cNvSpPr/>
+            <p:nvPr/>
+          </p:nvSpPr>
+          <p:spPr>
+            <a:xfrm>
+              <a:off x="9598074" y="2002787"/>
+              <a:ext cx="251651" cy="782796"/>
+            </a:xfrm>
+            <a:prstGeom prst="can">
+              <a:avLst/>
+            </a:prstGeom>
+            <a:solidFill>
+              <a:schemeClr val="tx1"/>
+            </a:solidFill>
+            <a:ln w="9525"/>
+          </p:spPr>
+          <p:style>
+            <a:lnRef idx="2">
+              <a:schemeClr val="accent1">
+                <a:shade val="15000"/>
+              </a:schemeClr>
+            </a:lnRef>
+            <a:fillRef idx="1">
+              <a:schemeClr val="accent1"/>
+            </a:fillRef>
+            <a:effectRef idx="0">
+              <a:schemeClr val="accent1"/>
+            </a:effectRef>
+            <a:fontRef idx="minor">
+              <a:schemeClr val="lt1"/>
+            </a:fontRef>
+          </p:style>
+          <p:txBody>
+            <a:bodyPr rtlCol="0" anchor="ctr"/>
+            <a:lstStyle/>
+            <a:p>
+              <a:pPr algn="ctr"/>
+              <a:endParaRPr lang="en-US" dirty="0"/>
+            </a:p>
+          </p:txBody>
+        </p:sp>
+        <p:sp>
+          <p:nvSpPr>
+            <p:cNvPr id="11" name="TextBox 10">
+              <a:extLst>
+                <a:ext uri="{FF2B5EF4-FFF2-40B4-BE49-F238E27FC236}">
+                  <a16:creationId xmlns:a16="http://schemas.microsoft.com/office/drawing/2014/main" id="{89C9B7CE-CCE5-6F39-9A97-7C890096E0DD}"/>
+                </a:ext>
+              </a:extLst>
+            </p:cNvPr>
+            <p:cNvSpPr txBox="1"/>
+            <p:nvPr/>
+          </p:nvSpPr>
+          <p:spPr>
+            <a:xfrm rot="10800000">
+              <a:off x="9662632" y="2849168"/>
+              <a:ext cx="133350" cy="144891"/>
+            </a:xfrm>
+            <a:prstGeom prst="rect">
+              <a:avLst/>
+            </a:prstGeom>
+            <a:noFill/>
+          </p:spPr>
+          <p:txBody>
+            <a:bodyPr wrap="square" lIns="0" tIns="0" rIns="0" bIns="0" rtlCol="0" anchor="ctr" anchorCtr="0">
+              <a:noAutofit/>
+            </a:bodyPr>
+            <a:lstStyle/>
+            <a:p>
+              <a:pPr algn="ctr"/>
+              <a:r>
+                <a:rPr lang="en-US" dirty="0"/>
+                <a:t>+</a:t>
+              </a:r>
+            </a:p>
+          </p:txBody>
+        </p:sp>
+      </p:grpSp>
+      <p:grpSp>
+        <p:nvGrpSpPr>
+          <p:cNvPr id="18" name="Group 17">
+            <a:extLst>
+              <a:ext uri="{FF2B5EF4-FFF2-40B4-BE49-F238E27FC236}">
+                <a16:creationId xmlns:a16="http://schemas.microsoft.com/office/drawing/2014/main" id="{57275743-3C20-8EEA-EC83-65A707F1D9F0}"/>
+              </a:ext>
+            </a:extLst>
+          </p:cNvPr>
+          <p:cNvGrpSpPr/>
+          <p:nvPr/>
+        </p:nvGrpSpPr>
+        <p:grpSpPr>
+          <a:xfrm>
+            <a:off x="7660640" y="1473200"/>
+            <a:ext cx="1838960" cy="2367280"/>
+            <a:chOff x="8122132" y="2213619"/>
+            <a:chExt cx="974513" cy="1251368"/>
+          </a:xfrm>
+        </p:grpSpPr>
+        <p:sp>
+          <p:nvSpPr>
+            <p:cNvPr id="19" name="Rectangle 18">
+              <a:extLst>
+                <a:ext uri="{FF2B5EF4-FFF2-40B4-BE49-F238E27FC236}">
+                  <a16:creationId xmlns:a16="http://schemas.microsoft.com/office/drawing/2014/main" id="{E758680B-8CEF-73E6-E386-5F3FAAABB1AB}"/>
+                </a:ext>
+              </a:extLst>
+            </p:cNvPr>
+            <p:cNvSpPr/>
+            <p:nvPr/>
+          </p:nvSpPr>
+          <p:spPr>
+            <a:xfrm>
+              <a:off x="8122132" y="2213619"/>
+              <a:ext cx="974513" cy="1251368"/>
+            </a:xfrm>
+            <a:prstGeom prst="rect">
+              <a:avLst/>
+            </a:prstGeom>
+            <a:solidFill>
+              <a:schemeClr val="bg2">
+                <a:lumMod val="50000"/>
+              </a:schemeClr>
+            </a:solidFill>
+          </p:spPr>
+          <p:style>
+            <a:lnRef idx="2">
+              <a:schemeClr val="accent1">
+                <a:shade val="15000"/>
+              </a:schemeClr>
+            </a:lnRef>
+            <a:fillRef idx="1">
+              <a:schemeClr val="accent1"/>
+            </a:fillRef>
+            <a:effectRef idx="0">
+              <a:schemeClr val="accent1"/>
+            </a:effectRef>
+            <a:fontRef idx="minor">
+              <a:schemeClr val="lt1"/>
+            </a:fontRef>
+          </p:style>
+          <p:txBody>
+            <a:bodyPr rtlCol="0" anchor="ctr"/>
+            <a:lstStyle/>
+            <a:p>
+              <a:pPr algn="ctr"/>
+              <a:endParaRPr lang="en-US"/>
+            </a:p>
+          </p:txBody>
+        </p:sp>
+        <p:grpSp>
+          <p:nvGrpSpPr>
+            <p:cNvPr id="20" name="Group 19">
+              <a:extLst>
+                <a:ext uri="{FF2B5EF4-FFF2-40B4-BE49-F238E27FC236}">
+                  <a16:creationId xmlns:a16="http://schemas.microsoft.com/office/drawing/2014/main" id="{F3E13018-7F22-D11F-ABC7-077502BC29D9}"/>
+                </a:ext>
+              </a:extLst>
+            </p:cNvPr>
+            <p:cNvGrpSpPr/>
+            <p:nvPr/>
+          </p:nvGrpSpPr>
+          <p:grpSpPr>
+            <a:xfrm>
+              <a:off x="8175875" y="2308223"/>
+              <a:ext cx="251651" cy="1064784"/>
+              <a:chOff x="8212327" y="2316591"/>
+              <a:chExt cx="251651" cy="1064784"/>
+            </a:xfrm>
+          </p:grpSpPr>
+          <p:sp>
+            <p:nvSpPr>
+              <p:cNvPr id="29" name="Can 28">
+                <a:extLst>
+                  <a:ext uri="{FF2B5EF4-FFF2-40B4-BE49-F238E27FC236}">
+                    <a16:creationId xmlns:a16="http://schemas.microsoft.com/office/drawing/2014/main" id="{A22B94DC-5687-E41D-5FEC-D11A81723EBA}"/>
+                  </a:ext>
+                </a:extLst>
+              </p:cNvPr>
+              <p:cNvSpPr/>
+              <p:nvPr/>
+            </p:nvSpPr>
+            <p:spPr>
+              <a:xfrm>
+                <a:off x="8212327" y="2556871"/>
+                <a:ext cx="251651" cy="824504"/>
+              </a:xfrm>
+              <a:prstGeom prst="can">
+                <a:avLst/>
+              </a:prstGeom>
+              <a:solidFill>
+                <a:schemeClr val="tx1"/>
+              </a:solidFill>
+              <a:ln w="9525"/>
+            </p:spPr>
+            <p:style>
+              <a:lnRef idx="2">
+                <a:schemeClr val="accent1">
+                  <a:shade val="15000"/>
+                </a:schemeClr>
+              </a:lnRef>
+              <a:fillRef idx="1">
+                <a:schemeClr val="accent1"/>
+              </a:fillRef>
+              <a:effectRef idx="0">
+                <a:schemeClr val="accent1"/>
+              </a:effectRef>
+              <a:fontRef idx="minor">
+                <a:schemeClr val="lt1"/>
+              </a:fontRef>
+            </p:style>
+            <p:txBody>
+              <a:bodyPr rtlCol="0" anchor="ctr"/>
+              <a:lstStyle/>
+              <a:p>
+                <a:pPr algn="ctr"/>
+                <a:endParaRPr lang="en-US"/>
+              </a:p>
+            </p:txBody>
+          </p:sp>
+          <p:sp>
+            <p:nvSpPr>
+              <p:cNvPr id="30" name="Can 29">
+                <a:extLst>
+                  <a:ext uri="{FF2B5EF4-FFF2-40B4-BE49-F238E27FC236}">
+                    <a16:creationId xmlns:a16="http://schemas.microsoft.com/office/drawing/2014/main" id="{4878E888-FD12-6E2C-A926-EC3BBA75A4C0}"/>
+                  </a:ext>
+                </a:extLst>
+              </p:cNvPr>
+              <p:cNvSpPr/>
+              <p:nvPr/>
+            </p:nvSpPr>
+            <p:spPr>
+              <a:xfrm>
+                <a:off x="8212327" y="2316591"/>
+                <a:ext cx="251651" cy="330060"/>
+              </a:xfrm>
+              <a:prstGeom prst="can">
+                <a:avLst>
+                  <a:gd name="adj" fmla="val 18692"/>
+                </a:avLst>
+              </a:prstGeom>
+              <a:solidFill>
+                <a:srgbClr val="C85500"/>
+              </a:solidFill>
+              <a:ln w="9525"/>
+            </p:spPr>
+            <p:style>
+              <a:lnRef idx="2">
+                <a:schemeClr val="accent1">
+                  <a:shade val="15000"/>
+                </a:schemeClr>
+              </a:lnRef>
+              <a:fillRef idx="1">
+                <a:schemeClr val="accent1"/>
+              </a:fillRef>
+              <a:effectRef idx="0">
+                <a:schemeClr val="accent1"/>
+              </a:effectRef>
+              <a:fontRef idx="minor">
+                <a:schemeClr val="lt1"/>
+              </a:fontRef>
+            </p:style>
+            <p:txBody>
+              <a:bodyPr rtlCol="0" anchor="ctr"/>
+              <a:lstStyle/>
+              <a:p>
+                <a:pPr algn="ctr"/>
+                <a:endParaRPr lang="en-US"/>
+              </a:p>
+            </p:txBody>
+          </p:sp>
+          <p:sp>
+            <p:nvSpPr>
+              <p:cNvPr id="31" name="TextBox 30">
+                <a:extLst>
+                  <a:ext uri="{FF2B5EF4-FFF2-40B4-BE49-F238E27FC236}">
+                    <a16:creationId xmlns:a16="http://schemas.microsoft.com/office/drawing/2014/main" id="{FE6AA4F2-3E19-1F5F-E7C2-C90FD22E9AFB}"/>
+                  </a:ext>
+                </a:extLst>
+              </p:cNvPr>
+              <p:cNvSpPr txBox="1"/>
+              <p:nvPr/>
+            </p:nvSpPr>
+            <p:spPr>
+              <a:xfrm>
+                <a:off x="8270660" y="2411980"/>
+                <a:ext cx="133350" cy="144891"/>
+              </a:xfrm>
+              <a:prstGeom prst="rect">
+                <a:avLst/>
+              </a:prstGeom>
+              <a:noFill/>
+            </p:spPr>
+            <p:txBody>
+              <a:bodyPr wrap="square" lIns="0" tIns="0" rIns="0" bIns="0" rtlCol="0" anchor="ctr" anchorCtr="0">
+                <a:noAutofit/>
+              </a:bodyPr>
+              <a:lstStyle/>
+              <a:p>
+                <a:pPr algn="ctr"/>
+                <a:r>
+                  <a:rPr lang="en-US" dirty="0"/>
+                  <a:t>+</a:t>
+                </a:r>
+              </a:p>
+            </p:txBody>
+          </p:sp>
+        </p:grpSp>
+        <p:grpSp>
+          <p:nvGrpSpPr>
+            <p:cNvPr id="21" name="Group 20">
+              <a:extLst>
+                <a:ext uri="{FF2B5EF4-FFF2-40B4-BE49-F238E27FC236}">
+                  <a16:creationId xmlns:a16="http://schemas.microsoft.com/office/drawing/2014/main" id="{AEDB0CA8-F9F8-DB34-E02A-157DF7387059}"/>
+                </a:ext>
+              </a:extLst>
+            </p:cNvPr>
+            <p:cNvGrpSpPr/>
+            <p:nvPr/>
+          </p:nvGrpSpPr>
+          <p:grpSpPr>
+            <a:xfrm>
+              <a:off x="8786661" y="2302871"/>
+              <a:ext cx="251651" cy="1064784"/>
+              <a:chOff x="8212327" y="2316591"/>
+              <a:chExt cx="251651" cy="1064784"/>
+            </a:xfrm>
+          </p:grpSpPr>
+          <p:sp>
+            <p:nvSpPr>
+              <p:cNvPr id="26" name="Can 25">
+                <a:extLst>
+                  <a:ext uri="{FF2B5EF4-FFF2-40B4-BE49-F238E27FC236}">
+                    <a16:creationId xmlns:a16="http://schemas.microsoft.com/office/drawing/2014/main" id="{C4EB65CC-9FF7-0819-6146-8CABA5BEFEA2}"/>
+                  </a:ext>
+                </a:extLst>
+              </p:cNvPr>
+              <p:cNvSpPr/>
+              <p:nvPr/>
+            </p:nvSpPr>
+            <p:spPr>
+              <a:xfrm>
+                <a:off x="8212327" y="2556871"/>
+                <a:ext cx="251651" cy="824504"/>
+              </a:xfrm>
+              <a:prstGeom prst="can">
+                <a:avLst/>
+              </a:prstGeom>
+              <a:solidFill>
+                <a:schemeClr val="tx1"/>
+              </a:solidFill>
+              <a:ln w="9525"/>
+            </p:spPr>
+            <p:style>
+              <a:lnRef idx="2">
+                <a:schemeClr val="accent1">
+                  <a:shade val="15000"/>
+                </a:schemeClr>
+              </a:lnRef>
+              <a:fillRef idx="1">
+                <a:schemeClr val="accent1"/>
+              </a:fillRef>
+              <a:effectRef idx="0">
+                <a:schemeClr val="accent1"/>
+              </a:effectRef>
+              <a:fontRef idx="minor">
+                <a:schemeClr val="lt1"/>
+              </a:fontRef>
+            </p:style>
+            <p:txBody>
+              <a:bodyPr rtlCol="0" anchor="ctr"/>
+              <a:lstStyle/>
+              <a:p>
+                <a:pPr algn="ctr"/>
+                <a:endParaRPr lang="en-US"/>
+              </a:p>
+            </p:txBody>
+          </p:sp>
+          <p:sp>
+            <p:nvSpPr>
+              <p:cNvPr id="27" name="Can 26">
+                <a:extLst>
+                  <a:ext uri="{FF2B5EF4-FFF2-40B4-BE49-F238E27FC236}">
+                    <a16:creationId xmlns:a16="http://schemas.microsoft.com/office/drawing/2014/main" id="{D439AB73-FFE5-00AA-B531-B1268301C702}"/>
+                  </a:ext>
+                </a:extLst>
+              </p:cNvPr>
+              <p:cNvSpPr/>
+              <p:nvPr/>
+            </p:nvSpPr>
+            <p:spPr>
+              <a:xfrm>
+                <a:off x="8212327" y="2316591"/>
+                <a:ext cx="251651" cy="330060"/>
+              </a:xfrm>
+              <a:prstGeom prst="can">
+                <a:avLst>
+                  <a:gd name="adj" fmla="val 18692"/>
+                </a:avLst>
+              </a:prstGeom>
+              <a:solidFill>
+                <a:srgbClr val="C85500"/>
+              </a:solidFill>
+              <a:ln w="9525"/>
+            </p:spPr>
+            <p:style>
+              <a:lnRef idx="2">
+                <a:schemeClr val="accent1">
+                  <a:shade val="15000"/>
+                </a:schemeClr>
+              </a:lnRef>
+              <a:fillRef idx="1">
+                <a:schemeClr val="accent1"/>
+              </a:fillRef>
+              <a:effectRef idx="0">
+                <a:schemeClr val="accent1"/>
+              </a:effectRef>
+              <a:fontRef idx="minor">
+                <a:schemeClr val="lt1"/>
+              </a:fontRef>
+            </p:style>
+            <p:txBody>
+              <a:bodyPr rtlCol="0" anchor="ctr"/>
+              <a:lstStyle/>
+              <a:p>
+                <a:pPr algn="ctr"/>
+                <a:endParaRPr lang="en-US"/>
+              </a:p>
+            </p:txBody>
+          </p:sp>
+          <p:sp>
+            <p:nvSpPr>
+              <p:cNvPr id="28" name="TextBox 27">
+                <a:extLst>
+                  <a:ext uri="{FF2B5EF4-FFF2-40B4-BE49-F238E27FC236}">
+                    <a16:creationId xmlns:a16="http://schemas.microsoft.com/office/drawing/2014/main" id="{D2166FB0-52C4-ECF7-9D53-8E71C0F89600}"/>
+                  </a:ext>
+                </a:extLst>
+              </p:cNvPr>
+              <p:cNvSpPr txBox="1"/>
+              <p:nvPr/>
+            </p:nvSpPr>
+            <p:spPr>
+              <a:xfrm>
+                <a:off x="8270660" y="2411980"/>
+                <a:ext cx="133350" cy="144891"/>
+              </a:xfrm>
+              <a:prstGeom prst="rect">
+                <a:avLst/>
+              </a:prstGeom>
+              <a:noFill/>
+            </p:spPr>
+            <p:txBody>
+              <a:bodyPr wrap="square" lIns="0" tIns="0" rIns="0" bIns="0" rtlCol="0" anchor="ctr" anchorCtr="0">
+                <a:noAutofit/>
+              </a:bodyPr>
+              <a:lstStyle/>
+              <a:p>
+                <a:pPr algn="ctr"/>
+                <a:r>
+                  <a:rPr lang="en-US" dirty="0"/>
+                  <a:t>+</a:t>
+                </a:r>
+              </a:p>
+            </p:txBody>
+          </p:sp>
+        </p:grpSp>
+        <p:grpSp>
+          <p:nvGrpSpPr>
+            <p:cNvPr id="22" name="Group 21">
+              <a:extLst>
+                <a:ext uri="{FF2B5EF4-FFF2-40B4-BE49-F238E27FC236}">
+                  <a16:creationId xmlns:a16="http://schemas.microsoft.com/office/drawing/2014/main" id="{85170B65-534A-1F71-08BF-15A03866E48C}"/>
+                </a:ext>
+              </a:extLst>
+            </p:cNvPr>
+            <p:cNvGrpSpPr/>
+            <p:nvPr/>
+          </p:nvGrpSpPr>
+          <p:grpSpPr>
+            <a:xfrm>
+              <a:off x="8475860" y="2300841"/>
+              <a:ext cx="251651" cy="1066814"/>
+              <a:chOff x="9598074" y="2002787"/>
+              <a:chExt cx="251651" cy="1066814"/>
+            </a:xfrm>
+          </p:grpSpPr>
+          <p:sp>
+            <p:nvSpPr>
+              <p:cNvPr id="23" name="Can 22">
+                <a:extLst>
+                  <a:ext uri="{FF2B5EF4-FFF2-40B4-BE49-F238E27FC236}">
+                    <a16:creationId xmlns:a16="http://schemas.microsoft.com/office/drawing/2014/main" id="{4EC9E59F-8154-78FF-AFFE-80C1B67201C8}"/>
+                  </a:ext>
+                </a:extLst>
+              </p:cNvPr>
+              <p:cNvSpPr/>
+              <p:nvPr/>
+            </p:nvSpPr>
+            <p:spPr>
+              <a:xfrm>
+                <a:off x="9598074" y="2739541"/>
+                <a:ext cx="251651" cy="330060"/>
+              </a:xfrm>
+              <a:prstGeom prst="can">
+                <a:avLst>
+                  <a:gd name="adj" fmla="val 18692"/>
+                </a:avLst>
+              </a:prstGeom>
+              <a:solidFill>
+                <a:srgbClr val="C85500"/>
+              </a:solidFill>
+              <a:ln w="9525"/>
+            </p:spPr>
+            <p:style>
+              <a:lnRef idx="2">
+                <a:schemeClr val="accent1">
+                  <a:shade val="15000"/>
+                </a:schemeClr>
+              </a:lnRef>
+              <a:fillRef idx="1">
+                <a:schemeClr val="accent1"/>
+              </a:fillRef>
+              <a:effectRef idx="0">
+                <a:schemeClr val="accent1"/>
+              </a:effectRef>
+              <a:fontRef idx="minor">
+                <a:schemeClr val="lt1"/>
+              </a:fontRef>
+            </p:style>
+            <p:txBody>
+              <a:bodyPr rtlCol="0" anchor="ctr"/>
+              <a:lstStyle/>
+              <a:p>
+                <a:pPr algn="ctr"/>
+                <a:endParaRPr lang="en-US"/>
+              </a:p>
+            </p:txBody>
+          </p:sp>
+          <p:sp>
+            <p:nvSpPr>
+              <p:cNvPr id="24" name="Can 23">
+                <a:extLst>
+                  <a:ext uri="{FF2B5EF4-FFF2-40B4-BE49-F238E27FC236}">
+                    <a16:creationId xmlns:a16="http://schemas.microsoft.com/office/drawing/2014/main" id="{DEAB6C0D-5851-E8E7-77E2-2AF692240644}"/>
+                  </a:ext>
+                </a:extLst>
+              </p:cNvPr>
+              <p:cNvSpPr/>
+              <p:nvPr/>
+            </p:nvSpPr>
+            <p:spPr>
+              <a:xfrm>
+                <a:off x="9598074" y="2002787"/>
+                <a:ext cx="251651" cy="782796"/>
+              </a:xfrm>
+              <a:prstGeom prst="can">
+                <a:avLst/>
+              </a:prstGeom>
+              <a:solidFill>
+                <a:schemeClr val="tx1"/>
+              </a:solidFill>
+              <a:ln w="9525"/>
+            </p:spPr>
+            <p:style>
+              <a:lnRef idx="2">
+                <a:schemeClr val="accent1">
+                  <a:shade val="15000"/>
+                </a:schemeClr>
+              </a:lnRef>
+              <a:fillRef idx="1">
+                <a:schemeClr val="accent1"/>
+              </a:fillRef>
+              <a:effectRef idx="0">
+                <a:schemeClr val="accent1"/>
+              </a:effectRef>
+              <a:fontRef idx="minor">
+                <a:schemeClr val="lt1"/>
+              </a:fontRef>
+            </p:style>
+            <p:txBody>
+              <a:bodyPr rtlCol="0" anchor="ctr"/>
+              <a:lstStyle/>
+              <a:p>
+                <a:pPr algn="ctr"/>
+                <a:endParaRPr lang="en-US" dirty="0"/>
+              </a:p>
+            </p:txBody>
+          </p:sp>
+          <p:sp>
+            <p:nvSpPr>
+              <p:cNvPr id="25" name="TextBox 24">
+                <a:extLst>
+                  <a:ext uri="{FF2B5EF4-FFF2-40B4-BE49-F238E27FC236}">
+                    <a16:creationId xmlns:a16="http://schemas.microsoft.com/office/drawing/2014/main" id="{E06C9BB5-2679-FDD3-AACD-190E11A431C2}"/>
+                  </a:ext>
+                </a:extLst>
+              </p:cNvPr>
+              <p:cNvSpPr txBox="1"/>
+              <p:nvPr/>
+            </p:nvSpPr>
+            <p:spPr>
+              <a:xfrm rot="10800000">
+                <a:off x="9662632" y="2849168"/>
+                <a:ext cx="133350" cy="144891"/>
+              </a:xfrm>
+              <a:prstGeom prst="rect">
+                <a:avLst/>
+              </a:prstGeom>
+              <a:noFill/>
+            </p:spPr>
+            <p:txBody>
+              <a:bodyPr wrap="square" lIns="0" tIns="0" rIns="0" bIns="0" rtlCol="0" anchor="ctr" anchorCtr="0">
+                <a:noAutofit/>
+              </a:bodyPr>
+              <a:lstStyle/>
+              <a:p>
+                <a:pPr algn="ctr"/>
+                <a:r>
+                  <a:rPr lang="en-US" dirty="0"/>
+                  <a:t>+</a:t>
+                </a:r>
+              </a:p>
+            </p:txBody>
+          </p:sp>
+        </p:grpSp>
+      </p:grpSp>
+      <p:cxnSp>
+        <p:nvCxnSpPr>
+          <p:cNvPr id="32" name="Straight Connector 31">
+            <a:extLst>
+              <a:ext uri="{FF2B5EF4-FFF2-40B4-BE49-F238E27FC236}">
+                <a16:creationId xmlns:a16="http://schemas.microsoft.com/office/drawing/2014/main" id="{A940EAB9-9499-272B-7049-3BA6C2D054DD}"/>
+              </a:ext>
+            </a:extLst>
+          </p:cNvPr>
+          <p:cNvCxnSpPr>
+            <a:cxnSpLocks/>
+          </p:cNvCxnSpPr>
+          <p:nvPr/>
+        </p:nvCxnSpPr>
+        <p:spPr>
+          <a:xfrm>
+            <a:off x="2296979" y="2557598"/>
+            <a:ext cx="1004346" cy="0"/>
+          </a:xfrm>
+          <a:prstGeom prst="line">
+            <a:avLst/>
+          </a:prstGeom>
+          <a:ln w="38100">
+            <a:solidFill>
+              <a:srgbClr val="FF0000"/>
+            </a:solidFill>
+          </a:ln>
+        </p:spPr>
+        <p:style>
+          <a:lnRef idx="2">
+            <a:schemeClr val="accent1"/>
+          </a:lnRef>
+          <a:fillRef idx="0">
+            <a:schemeClr val="accent1"/>
+          </a:fillRef>
+          <a:effectRef idx="1">
+            <a:schemeClr val="accent1"/>
+          </a:effectRef>
+          <a:fontRef idx="minor">
+            <a:schemeClr val="tx1"/>
+          </a:fontRef>
+        </p:style>
+      </p:cxnSp>
+      <p:cxnSp>
+        <p:nvCxnSpPr>
+          <p:cNvPr id="33" name="Straight Connector 32">
+            <a:extLst>
+              <a:ext uri="{FF2B5EF4-FFF2-40B4-BE49-F238E27FC236}">
+                <a16:creationId xmlns:a16="http://schemas.microsoft.com/office/drawing/2014/main" id="{F51280A0-9783-78A5-A6CC-0AB4E45DDBDB}"/>
+              </a:ext>
+            </a:extLst>
+          </p:cNvPr>
+          <p:cNvCxnSpPr>
+            <a:cxnSpLocks/>
+          </p:cNvCxnSpPr>
+          <p:nvPr/>
+        </p:nvCxnSpPr>
+        <p:spPr>
+          <a:xfrm>
+            <a:off x="2296979" y="3110758"/>
+            <a:ext cx="1004346" cy="8302"/>
+          </a:xfrm>
+          <a:prstGeom prst="line">
+            <a:avLst/>
+          </a:prstGeom>
+          <a:ln w="38100">
+            <a:solidFill>
+              <a:schemeClr val="tx1"/>
+            </a:solidFill>
+          </a:ln>
+        </p:spPr>
+        <p:style>
+          <a:lnRef idx="2">
+            <a:schemeClr val="accent1"/>
+          </a:lnRef>
+          <a:fillRef idx="0">
+            <a:schemeClr val="accent1"/>
+          </a:fillRef>
+          <a:effectRef idx="1">
+            <a:schemeClr val="accent1"/>
+          </a:effectRef>
+          <a:fontRef idx="minor">
+            <a:schemeClr val="tx1"/>
+          </a:fontRef>
+        </p:style>
+      </p:cxnSp>
+      <p:sp>
+        <p:nvSpPr>
+          <p:cNvPr id="34" name="Freeform 33">
+            <a:extLst>
+              <a:ext uri="{FF2B5EF4-FFF2-40B4-BE49-F238E27FC236}">
+                <a16:creationId xmlns:a16="http://schemas.microsoft.com/office/drawing/2014/main" id="{EDBAD14A-983F-8EE5-6426-915018EA82F5}"/>
+              </a:ext>
+            </a:extLst>
+          </p:cNvPr>
+          <p:cNvSpPr/>
+          <p:nvPr/>
+        </p:nvSpPr>
+        <p:spPr>
+          <a:xfrm>
+            <a:off x="3320528" y="1729896"/>
+            <a:ext cx="1953805" cy="2075929"/>
+          </a:xfrm>
+          <a:custGeom>
+            <a:avLst/>
+            <a:gdLst>
+              <a:gd name="connsiteX0" fmla="*/ 6055 w 907325"/>
+              <a:gd name="connsiteY0" fmla="*/ 219696 h 1021081"/>
+              <a:gd name="connsiteX1" fmla="*/ 248281 w 907325"/>
+              <a:gd name="connsiteY1" fmla="*/ 74361 h 1021081"/>
+              <a:gd name="connsiteX2" fmla="*/ 551062 w 907325"/>
+              <a:gd name="connsiteY2" fmla="*/ 7749 h 1021081"/>
+              <a:gd name="connsiteX3" fmla="*/ 847788 w 907325"/>
+              <a:gd name="connsiteY3" fmla="*/ 249974 h 1021081"/>
+              <a:gd name="connsiteX4" fmla="*/ 896233 w 907325"/>
+              <a:gd name="connsiteY4" fmla="*/ 692035 h 1021081"/>
+              <a:gd name="connsiteX5" fmla="*/ 702453 w 907325"/>
+              <a:gd name="connsiteY5" fmla="*/ 982705 h 1021081"/>
+              <a:gd name="connsiteX6" fmla="*/ 308837 w 907325"/>
+              <a:gd name="connsiteY6" fmla="*/ 1000872 h 1021081"/>
+              <a:gd name="connsiteX7" fmla="*/ 0 w 907325"/>
+              <a:gd name="connsiteY7" fmla="*/ 825259 h 1021081"/>
+              <a:gd name="connsiteX8" fmla="*/ 0 w 907325"/>
+              <a:gd name="connsiteY8" fmla="*/ 825259 h 1021081"/>
+              <a:gd name="connsiteX0" fmla="*/ 6055 w 907325"/>
+              <a:gd name="connsiteY0" fmla="*/ 218754 h 1020139"/>
+              <a:gd name="connsiteX1" fmla="*/ 116229 w 907325"/>
+              <a:gd name="connsiteY1" fmla="*/ 142803 h 1020139"/>
+              <a:gd name="connsiteX2" fmla="*/ 248281 w 907325"/>
+              <a:gd name="connsiteY2" fmla="*/ 73419 h 1020139"/>
+              <a:gd name="connsiteX3" fmla="*/ 551062 w 907325"/>
+              <a:gd name="connsiteY3" fmla="*/ 6807 h 1020139"/>
+              <a:gd name="connsiteX4" fmla="*/ 847788 w 907325"/>
+              <a:gd name="connsiteY4" fmla="*/ 249032 h 1020139"/>
+              <a:gd name="connsiteX5" fmla="*/ 896233 w 907325"/>
+              <a:gd name="connsiteY5" fmla="*/ 691093 h 1020139"/>
+              <a:gd name="connsiteX6" fmla="*/ 702453 w 907325"/>
+              <a:gd name="connsiteY6" fmla="*/ 981763 h 1020139"/>
+              <a:gd name="connsiteX7" fmla="*/ 308837 w 907325"/>
+              <a:gd name="connsiteY7" fmla="*/ 999930 h 1020139"/>
+              <a:gd name="connsiteX8" fmla="*/ 0 w 907325"/>
+              <a:gd name="connsiteY8" fmla="*/ 824317 h 1020139"/>
+              <a:gd name="connsiteX9" fmla="*/ 0 w 907325"/>
+              <a:gd name="connsiteY9" fmla="*/ 824317 h 1020139"/>
+              <a:gd name="connsiteX0" fmla="*/ 0 w 1059489"/>
+              <a:gd name="connsiteY0" fmla="*/ 373285 h 1020139"/>
+              <a:gd name="connsiteX1" fmla="*/ 268393 w 1059489"/>
+              <a:gd name="connsiteY1" fmla="*/ 142803 h 1020139"/>
+              <a:gd name="connsiteX2" fmla="*/ 400445 w 1059489"/>
+              <a:gd name="connsiteY2" fmla="*/ 73419 h 1020139"/>
+              <a:gd name="connsiteX3" fmla="*/ 703226 w 1059489"/>
+              <a:gd name="connsiteY3" fmla="*/ 6807 h 1020139"/>
+              <a:gd name="connsiteX4" fmla="*/ 999952 w 1059489"/>
+              <a:gd name="connsiteY4" fmla="*/ 249032 h 1020139"/>
+              <a:gd name="connsiteX5" fmla="*/ 1048397 w 1059489"/>
+              <a:gd name="connsiteY5" fmla="*/ 691093 h 1020139"/>
+              <a:gd name="connsiteX6" fmla="*/ 854617 w 1059489"/>
+              <a:gd name="connsiteY6" fmla="*/ 981763 h 1020139"/>
+              <a:gd name="connsiteX7" fmla="*/ 461001 w 1059489"/>
+              <a:gd name="connsiteY7" fmla="*/ 999930 h 1020139"/>
+              <a:gd name="connsiteX8" fmla="*/ 152164 w 1059489"/>
+              <a:gd name="connsiteY8" fmla="*/ 824317 h 1020139"/>
+              <a:gd name="connsiteX9" fmla="*/ 152164 w 1059489"/>
+              <a:gd name="connsiteY9" fmla="*/ 824317 h 1020139"/>
+              <a:gd name="connsiteX0" fmla="*/ 0 w 1059489"/>
+              <a:gd name="connsiteY0" fmla="*/ 375559 h 1022413"/>
+              <a:gd name="connsiteX1" fmla="*/ 301128 w 1059489"/>
+              <a:gd name="connsiteY1" fmla="*/ 304593 h 1022413"/>
+              <a:gd name="connsiteX2" fmla="*/ 400445 w 1059489"/>
+              <a:gd name="connsiteY2" fmla="*/ 75693 h 1022413"/>
+              <a:gd name="connsiteX3" fmla="*/ 703226 w 1059489"/>
+              <a:gd name="connsiteY3" fmla="*/ 9081 h 1022413"/>
+              <a:gd name="connsiteX4" fmla="*/ 999952 w 1059489"/>
+              <a:gd name="connsiteY4" fmla="*/ 251306 h 1022413"/>
+              <a:gd name="connsiteX5" fmla="*/ 1048397 w 1059489"/>
+              <a:gd name="connsiteY5" fmla="*/ 693367 h 1022413"/>
+              <a:gd name="connsiteX6" fmla="*/ 854617 w 1059489"/>
+              <a:gd name="connsiteY6" fmla="*/ 984037 h 1022413"/>
+              <a:gd name="connsiteX7" fmla="*/ 461001 w 1059489"/>
+              <a:gd name="connsiteY7" fmla="*/ 1002204 h 1022413"/>
+              <a:gd name="connsiteX8" fmla="*/ 152164 w 1059489"/>
+              <a:gd name="connsiteY8" fmla="*/ 826591 h 1022413"/>
+              <a:gd name="connsiteX9" fmla="*/ 152164 w 1059489"/>
+              <a:gd name="connsiteY9" fmla="*/ 826591 h 1022413"/>
+              <a:gd name="connsiteX0" fmla="*/ 0 w 1059489"/>
+              <a:gd name="connsiteY0" fmla="*/ 375559 h 1016291"/>
+              <a:gd name="connsiteX1" fmla="*/ 301128 w 1059489"/>
+              <a:gd name="connsiteY1" fmla="*/ 304593 h 1016291"/>
+              <a:gd name="connsiteX2" fmla="*/ 400445 w 1059489"/>
+              <a:gd name="connsiteY2" fmla="*/ 75693 h 1016291"/>
+              <a:gd name="connsiteX3" fmla="*/ 703226 w 1059489"/>
+              <a:gd name="connsiteY3" fmla="*/ 9081 h 1016291"/>
+              <a:gd name="connsiteX4" fmla="*/ 999952 w 1059489"/>
+              <a:gd name="connsiteY4" fmla="*/ 251306 h 1016291"/>
+              <a:gd name="connsiteX5" fmla="*/ 1048397 w 1059489"/>
+              <a:gd name="connsiteY5" fmla="*/ 693367 h 1016291"/>
+              <a:gd name="connsiteX6" fmla="*/ 854617 w 1059489"/>
+              <a:gd name="connsiteY6" fmla="*/ 984037 h 1016291"/>
+              <a:gd name="connsiteX7" fmla="*/ 461001 w 1059489"/>
+              <a:gd name="connsiteY7" fmla="*/ 1002204 h 1016291"/>
+              <a:gd name="connsiteX8" fmla="*/ 284760 w 1059489"/>
+              <a:gd name="connsiteY8" fmla="*/ 922716 h 1016291"/>
+              <a:gd name="connsiteX9" fmla="*/ 152164 w 1059489"/>
+              <a:gd name="connsiteY9" fmla="*/ 826591 h 1016291"/>
+              <a:gd name="connsiteX10" fmla="*/ 152164 w 1059489"/>
+              <a:gd name="connsiteY10" fmla="*/ 826591 h 1016291"/>
+              <a:gd name="connsiteX0" fmla="*/ 0 w 1059489"/>
+              <a:gd name="connsiteY0" fmla="*/ 375559 h 1016291"/>
+              <a:gd name="connsiteX1" fmla="*/ 301128 w 1059489"/>
+              <a:gd name="connsiteY1" fmla="*/ 304593 h 1016291"/>
+              <a:gd name="connsiteX2" fmla="*/ 400445 w 1059489"/>
+              <a:gd name="connsiteY2" fmla="*/ 75693 h 1016291"/>
+              <a:gd name="connsiteX3" fmla="*/ 703226 w 1059489"/>
+              <a:gd name="connsiteY3" fmla="*/ 9081 h 1016291"/>
+              <a:gd name="connsiteX4" fmla="*/ 999952 w 1059489"/>
+              <a:gd name="connsiteY4" fmla="*/ 251306 h 1016291"/>
+              <a:gd name="connsiteX5" fmla="*/ 1048397 w 1059489"/>
+              <a:gd name="connsiteY5" fmla="*/ 693367 h 1016291"/>
+              <a:gd name="connsiteX6" fmla="*/ 854617 w 1059489"/>
+              <a:gd name="connsiteY6" fmla="*/ 984037 h 1016291"/>
+              <a:gd name="connsiteX7" fmla="*/ 461001 w 1059489"/>
+              <a:gd name="connsiteY7" fmla="*/ 1002204 h 1016291"/>
+              <a:gd name="connsiteX8" fmla="*/ 284760 w 1059489"/>
+              <a:gd name="connsiteY8" fmla="*/ 922716 h 1016291"/>
+              <a:gd name="connsiteX9" fmla="*/ 152164 w 1059489"/>
+              <a:gd name="connsiteY9" fmla="*/ 826591 h 1016291"/>
+              <a:gd name="connsiteX10" fmla="*/ 15768 w 1059489"/>
+              <a:gd name="connsiteY10" fmla="*/ 786712 h 1016291"/>
+              <a:gd name="connsiteX0" fmla="*/ 0 w 1059489"/>
+              <a:gd name="connsiteY0" fmla="*/ 375559 h 1016291"/>
+              <a:gd name="connsiteX1" fmla="*/ 301128 w 1059489"/>
+              <a:gd name="connsiteY1" fmla="*/ 304593 h 1016291"/>
+              <a:gd name="connsiteX2" fmla="*/ 400445 w 1059489"/>
+              <a:gd name="connsiteY2" fmla="*/ 75693 h 1016291"/>
+              <a:gd name="connsiteX3" fmla="*/ 703226 w 1059489"/>
+              <a:gd name="connsiteY3" fmla="*/ 9081 h 1016291"/>
+              <a:gd name="connsiteX4" fmla="*/ 999952 w 1059489"/>
+              <a:gd name="connsiteY4" fmla="*/ 251306 h 1016291"/>
+              <a:gd name="connsiteX5" fmla="*/ 1048397 w 1059489"/>
+              <a:gd name="connsiteY5" fmla="*/ 693367 h 1016291"/>
+              <a:gd name="connsiteX6" fmla="*/ 854617 w 1059489"/>
+              <a:gd name="connsiteY6" fmla="*/ 984037 h 1016291"/>
+              <a:gd name="connsiteX7" fmla="*/ 461001 w 1059489"/>
+              <a:gd name="connsiteY7" fmla="*/ 1002204 h 1016291"/>
+              <a:gd name="connsiteX8" fmla="*/ 284760 w 1059489"/>
+              <a:gd name="connsiteY8" fmla="*/ 922716 h 1016291"/>
+              <a:gd name="connsiteX9" fmla="*/ 234002 w 1059489"/>
+              <a:gd name="connsiteY9" fmla="*/ 821606 h 1016291"/>
+              <a:gd name="connsiteX10" fmla="*/ 15768 w 1059489"/>
+              <a:gd name="connsiteY10" fmla="*/ 786712 h 1016291"/>
+              <a:gd name="connsiteX0" fmla="*/ 0 w 1059489"/>
+              <a:gd name="connsiteY0" fmla="*/ 375559 h 1016291"/>
+              <a:gd name="connsiteX1" fmla="*/ 301128 w 1059489"/>
+              <a:gd name="connsiteY1" fmla="*/ 304593 h 1016291"/>
+              <a:gd name="connsiteX2" fmla="*/ 400445 w 1059489"/>
+              <a:gd name="connsiteY2" fmla="*/ 75693 h 1016291"/>
+              <a:gd name="connsiteX3" fmla="*/ 703226 w 1059489"/>
+              <a:gd name="connsiteY3" fmla="*/ 9081 h 1016291"/>
+              <a:gd name="connsiteX4" fmla="*/ 999952 w 1059489"/>
+              <a:gd name="connsiteY4" fmla="*/ 251306 h 1016291"/>
+              <a:gd name="connsiteX5" fmla="*/ 1048397 w 1059489"/>
+              <a:gd name="connsiteY5" fmla="*/ 693367 h 1016291"/>
+              <a:gd name="connsiteX6" fmla="*/ 854617 w 1059489"/>
+              <a:gd name="connsiteY6" fmla="*/ 984037 h 1016291"/>
+              <a:gd name="connsiteX7" fmla="*/ 461001 w 1059489"/>
+              <a:gd name="connsiteY7" fmla="*/ 1002204 h 1016291"/>
+              <a:gd name="connsiteX8" fmla="*/ 284760 w 1059489"/>
+              <a:gd name="connsiteY8" fmla="*/ 922716 h 1016291"/>
+              <a:gd name="connsiteX9" fmla="*/ 234002 w 1059489"/>
+              <a:gd name="connsiteY9" fmla="*/ 821606 h 1016291"/>
+              <a:gd name="connsiteX10" fmla="*/ 15768 w 1059489"/>
+              <a:gd name="connsiteY10" fmla="*/ 786712 h 1016291"/>
+              <a:gd name="connsiteX0" fmla="*/ 0 w 1059489"/>
+              <a:gd name="connsiteY0" fmla="*/ 375559 h 1016291"/>
+              <a:gd name="connsiteX1" fmla="*/ 301128 w 1059489"/>
+              <a:gd name="connsiteY1" fmla="*/ 304593 h 1016291"/>
+              <a:gd name="connsiteX2" fmla="*/ 400445 w 1059489"/>
+              <a:gd name="connsiteY2" fmla="*/ 75693 h 1016291"/>
+              <a:gd name="connsiteX3" fmla="*/ 703226 w 1059489"/>
+              <a:gd name="connsiteY3" fmla="*/ 9081 h 1016291"/>
+              <a:gd name="connsiteX4" fmla="*/ 999952 w 1059489"/>
+              <a:gd name="connsiteY4" fmla="*/ 251306 h 1016291"/>
+              <a:gd name="connsiteX5" fmla="*/ 1048397 w 1059489"/>
+              <a:gd name="connsiteY5" fmla="*/ 693367 h 1016291"/>
+              <a:gd name="connsiteX6" fmla="*/ 854617 w 1059489"/>
+              <a:gd name="connsiteY6" fmla="*/ 984037 h 1016291"/>
+              <a:gd name="connsiteX7" fmla="*/ 461001 w 1059489"/>
+              <a:gd name="connsiteY7" fmla="*/ 1002204 h 1016291"/>
+              <a:gd name="connsiteX8" fmla="*/ 284760 w 1059489"/>
+              <a:gd name="connsiteY8" fmla="*/ 922716 h 1016291"/>
+              <a:gd name="connsiteX9" fmla="*/ 234002 w 1059489"/>
+              <a:gd name="connsiteY9" fmla="*/ 821606 h 1016291"/>
+              <a:gd name="connsiteX10" fmla="*/ 15768 w 1059489"/>
+              <a:gd name="connsiteY10" fmla="*/ 786712 h 1016291"/>
+              <a:gd name="connsiteX0" fmla="*/ 0 w 1059489"/>
+              <a:gd name="connsiteY0" fmla="*/ 375559 h 1016291"/>
+              <a:gd name="connsiteX1" fmla="*/ 301128 w 1059489"/>
+              <a:gd name="connsiteY1" fmla="*/ 304593 h 1016291"/>
+              <a:gd name="connsiteX2" fmla="*/ 400445 w 1059489"/>
+              <a:gd name="connsiteY2" fmla="*/ 75693 h 1016291"/>
+              <a:gd name="connsiteX3" fmla="*/ 703226 w 1059489"/>
+              <a:gd name="connsiteY3" fmla="*/ 9081 h 1016291"/>
+              <a:gd name="connsiteX4" fmla="*/ 999952 w 1059489"/>
+              <a:gd name="connsiteY4" fmla="*/ 251306 h 1016291"/>
+              <a:gd name="connsiteX5" fmla="*/ 1048397 w 1059489"/>
+              <a:gd name="connsiteY5" fmla="*/ 693367 h 1016291"/>
+              <a:gd name="connsiteX6" fmla="*/ 854617 w 1059489"/>
+              <a:gd name="connsiteY6" fmla="*/ 984037 h 1016291"/>
+              <a:gd name="connsiteX7" fmla="*/ 461001 w 1059489"/>
+              <a:gd name="connsiteY7" fmla="*/ 1002204 h 1016291"/>
+              <a:gd name="connsiteX8" fmla="*/ 284760 w 1059489"/>
+              <a:gd name="connsiteY8" fmla="*/ 922716 h 1016291"/>
+              <a:gd name="connsiteX9" fmla="*/ 234002 w 1059489"/>
+              <a:gd name="connsiteY9" fmla="*/ 821606 h 1016291"/>
+              <a:gd name="connsiteX10" fmla="*/ 15768 w 1059489"/>
+              <a:gd name="connsiteY10" fmla="*/ 786712 h 1016291"/>
+              <a:gd name="connsiteX0" fmla="*/ 0 w 1059489"/>
+              <a:gd name="connsiteY0" fmla="*/ 375559 h 1016291"/>
+              <a:gd name="connsiteX1" fmla="*/ 301128 w 1059489"/>
+              <a:gd name="connsiteY1" fmla="*/ 304593 h 1016291"/>
+              <a:gd name="connsiteX2" fmla="*/ 400445 w 1059489"/>
+              <a:gd name="connsiteY2" fmla="*/ 75693 h 1016291"/>
+              <a:gd name="connsiteX3" fmla="*/ 703226 w 1059489"/>
+              <a:gd name="connsiteY3" fmla="*/ 9081 h 1016291"/>
+              <a:gd name="connsiteX4" fmla="*/ 999952 w 1059489"/>
+              <a:gd name="connsiteY4" fmla="*/ 251306 h 1016291"/>
+              <a:gd name="connsiteX5" fmla="*/ 1048397 w 1059489"/>
+              <a:gd name="connsiteY5" fmla="*/ 693367 h 1016291"/>
+              <a:gd name="connsiteX6" fmla="*/ 854617 w 1059489"/>
+              <a:gd name="connsiteY6" fmla="*/ 984037 h 1016291"/>
+              <a:gd name="connsiteX7" fmla="*/ 461001 w 1059489"/>
+              <a:gd name="connsiteY7" fmla="*/ 1002204 h 1016291"/>
+              <a:gd name="connsiteX8" fmla="*/ 284760 w 1059489"/>
+              <a:gd name="connsiteY8" fmla="*/ 922716 h 1016291"/>
+              <a:gd name="connsiteX9" fmla="*/ 234002 w 1059489"/>
+              <a:gd name="connsiteY9" fmla="*/ 821606 h 1016291"/>
+              <a:gd name="connsiteX10" fmla="*/ 15768 w 1059489"/>
+              <a:gd name="connsiteY10" fmla="*/ 786712 h 1016291"/>
+              <a:gd name="connsiteX0" fmla="*/ 0 w 1059489"/>
+              <a:gd name="connsiteY0" fmla="*/ 375559 h 1016291"/>
+              <a:gd name="connsiteX1" fmla="*/ 301128 w 1059489"/>
+              <a:gd name="connsiteY1" fmla="*/ 304593 h 1016291"/>
+              <a:gd name="connsiteX2" fmla="*/ 400445 w 1059489"/>
+              <a:gd name="connsiteY2" fmla="*/ 75693 h 1016291"/>
+              <a:gd name="connsiteX3" fmla="*/ 703226 w 1059489"/>
+              <a:gd name="connsiteY3" fmla="*/ 9081 h 1016291"/>
+              <a:gd name="connsiteX4" fmla="*/ 999952 w 1059489"/>
+              <a:gd name="connsiteY4" fmla="*/ 251306 h 1016291"/>
+              <a:gd name="connsiteX5" fmla="*/ 1048397 w 1059489"/>
+              <a:gd name="connsiteY5" fmla="*/ 693367 h 1016291"/>
+              <a:gd name="connsiteX6" fmla="*/ 854617 w 1059489"/>
+              <a:gd name="connsiteY6" fmla="*/ 984037 h 1016291"/>
+              <a:gd name="connsiteX7" fmla="*/ 461001 w 1059489"/>
+              <a:gd name="connsiteY7" fmla="*/ 1002204 h 1016291"/>
+              <a:gd name="connsiteX8" fmla="*/ 284760 w 1059489"/>
+              <a:gd name="connsiteY8" fmla="*/ 922716 h 1016291"/>
+              <a:gd name="connsiteX9" fmla="*/ 234002 w 1059489"/>
+              <a:gd name="connsiteY9" fmla="*/ 821606 h 1016291"/>
+              <a:gd name="connsiteX10" fmla="*/ 147670 w 1059489"/>
+              <a:gd name="connsiteY10" fmla="*/ 691573 h 1016291"/>
+              <a:gd name="connsiteX11" fmla="*/ 15768 w 1059489"/>
+              <a:gd name="connsiteY11" fmla="*/ 786712 h 1016291"/>
+              <a:gd name="connsiteX0" fmla="*/ 0 w 1059489"/>
+              <a:gd name="connsiteY0" fmla="*/ 375559 h 1016291"/>
+              <a:gd name="connsiteX1" fmla="*/ 301128 w 1059489"/>
+              <a:gd name="connsiteY1" fmla="*/ 304593 h 1016291"/>
+              <a:gd name="connsiteX2" fmla="*/ 400445 w 1059489"/>
+              <a:gd name="connsiteY2" fmla="*/ 75693 h 1016291"/>
+              <a:gd name="connsiteX3" fmla="*/ 703226 w 1059489"/>
+              <a:gd name="connsiteY3" fmla="*/ 9081 h 1016291"/>
+              <a:gd name="connsiteX4" fmla="*/ 999952 w 1059489"/>
+              <a:gd name="connsiteY4" fmla="*/ 251306 h 1016291"/>
+              <a:gd name="connsiteX5" fmla="*/ 1048397 w 1059489"/>
+              <a:gd name="connsiteY5" fmla="*/ 693367 h 1016291"/>
+              <a:gd name="connsiteX6" fmla="*/ 854617 w 1059489"/>
+              <a:gd name="connsiteY6" fmla="*/ 984037 h 1016291"/>
+              <a:gd name="connsiteX7" fmla="*/ 461001 w 1059489"/>
+              <a:gd name="connsiteY7" fmla="*/ 1002204 h 1016291"/>
+              <a:gd name="connsiteX8" fmla="*/ 284760 w 1059489"/>
+              <a:gd name="connsiteY8" fmla="*/ 922716 h 1016291"/>
+              <a:gd name="connsiteX9" fmla="*/ 234002 w 1059489"/>
+              <a:gd name="connsiteY9" fmla="*/ 821606 h 1016291"/>
+              <a:gd name="connsiteX10" fmla="*/ 147670 w 1059489"/>
+              <a:gd name="connsiteY10" fmla="*/ 691573 h 1016291"/>
+              <a:gd name="connsiteX11" fmla="*/ 10312 w 1059489"/>
+              <a:gd name="connsiteY11" fmla="*/ 687015 h 1016291"/>
+              <a:gd name="connsiteX0" fmla="*/ 0 w 1059489"/>
+              <a:gd name="connsiteY0" fmla="*/ 375559 h 1022746"/>
+              <a:gd name="connsiteX1" fmla="*/ 301128 w 1059489"/>
+              <a:gd name="connsiteY1" fmla="*/ 304593 h 1022746"/>
+              <a:gd name="connsiteX2" fmla="*/ 400445 w 1059489"/>
+              <a:gd name="connsiteY2" fmla="*/ 75693 h 1022746"/>
+              <a:gd name="connsiteX3" fmla="*/ 703226 w 1059489"/>
+              <a:gd name="connsiteY3" fmla="*/ 9081 h 1022746"/>
+              <a:gd name="connsiteX4" fmla="*/ 999952 w 1059489"/>
+              <a:gd name="connsiteY4" fmla="*/ 251306 h 1022746"/>
+              <a:gd name="connsiteX5" fmla="*/ 1048397 w 1059489"/>
+              <a:gd name="connsiteY5" fmla="*/ 693367 h 1022746"/>
+              <a:gd name="connsiteX6" fmla="*/ 854617 w 1059489"/>
+              <a:gd name="connsiteY6" fmla="*/ 984037 h 1022746"/>
+              <a:gd name="connsiteX7" fmla="*/ 461001 w 1059489"/>
+              <a:gd name="connsiteY7" fmla="*/ 1002204 h 1022746"/>
+              <a:gd name="connsiteX8" fmla="*/ 234002 w 1059489"/>
+              <a:gd name="connsiteY8" fmla="*/ 821606 h 1022746"/>
+              <a:gd name="connsiteX9" fmla="*/ 147670 w 1059489"/>
+              <a:gd name="connsiteY9" fmla="*/ 691573 h 1022746"/>
+              <a:gd name="connsiteX10" fmla="*/ 10312 w 1059489"/>
+              <a:gd name="connsiteY10" fmla="*/ 687015 h 1022746"/>
+              <a:gd name="connsiteX0" fmla="*/ 0 w 1059489"/>
+              <a:gd name="connsiteY0" fmla="*/ 375559 h 1018526"/>
+              <a:gd name="connsiteX1" fmla="*/ 301128 w 1059489"/>
+              <a:gd name="connsiteY1" fmla="*/ 304593 h 1018526"/>
+              <a:gd name="connsiteX2" fmla="*/ 400445 w 1059489"/>
+              <a:gd name="connsiteY2" fmla="*/ 75693 h 1018526"/>
+              <a:gd name="connsiteX3" fmla="*/ 703226 w 1059489"/>
+              <a:gd name="connsiteY3" fmla="*/ 9081 h 1018526"/>
+              <a:gd name="connsiteX4" fmla="*/ 999952 w 1059489"/>
+              <a:gd name="connsiteY4" fmla="*/ 251306 h 1018526"/>
+              <a:gd name="connsiteX5" fmla="*/ 1048397 w 1059489"/>
+              <a:gd name="connsiteY5" fmla="*/ 693367 h 1018526"/>
+              <a:gd name="connsiteX6" fmla="*/ 854617 w 1059489"/>
+              <a:gd name="connsiteY6" fmla="*/ 984037 h 1018526"/>
+              <a:gd name="connsiteX7" fmla="*/ 461001 w 1059489"/>
+              <a:gd name="connsiteY7" fmla="*/ 1002204 h 1018526"/>
+              <a:gd name="connsiteX8" fmla="*/ 283105 w 1059489"/>
+              <a:gd name="connsiteY8" fmla="*/ 886409 h 1018526"/>
+              <a:gd name="connsiteX9" fmla="*/ 147670 w 1059489"/>
+              <a:gd name="connsiteY9" fmla="*/ 691573 h 1018526"/>
+              <a:gd name="connsiteX10" fmla="*/ 10312 w 1059489"/>
+              <a:gd name="connsiteY10" fmla="*/ 687015 h 1018526"/>
+              <a:gd name="connsiteX0" fmla="*/ 0 w 1059489"/>
+              <a:gd name="connsiteY0" fmla="*/ 375559 h 1018526"/>
+              <a:gd name="connsiteX1" fmla="*/ 301128 w 1059489"/>
+              <a:gd name="connsiteY1" fmla="*/ 304593 h 1018526"/>
+              <a:gd name="connsiteX2" fmla="*/ 400445 w 1059489"/>
+              <a:gd name="connsiteY2" fmla="*/ 75693 h 1018526"/>
+              <a:gd name="connsiteX3" fmla="*/ 703226 w 1059489"/>
+              <a:gd name="connsiteY3" fmla="*/ 9081 h 1018526"/>
+              <a:gd name="connsiteX4" fmla="*/ 999952 w 1059489"/>
+              <a:gd name="connsiteY4" fmla="*/ 251306 h 1018526"/>
+              <a:gd name="connsiteX5" fmla="*/ 1048397 w 1059489"/>
+              <a:gd name="connsiteY5" fmla="*/ 693367 h 1018526"/>
+              <a:gd name="connsiteX6" fmla="*/ 854617 w 1059489"/>
+              <a:gd name="connsiteY6" fmla="*/ 984037 h 1018526"/>
+              <a:gd name="connsiteX7" fmla="*/ 461001 w 1059489"/>
+              <a:gd name="connsiteY7" fmla="*/ 1002204 h 1018526"/>
+              <a:gd name="connsiteX8" fmla="*/ 283105 w 1059489"/>
+              <a:gd name="connsiteY8" fmla="*/ 886409 h 1018526"/>
+              <a:gd name="connsiteX9" fmla="*/ 185861 w 1059489"/>
+              <a:gd name="connsiteY9" fmla="*/ 731452 h 1018526"/>
+              <a:gd name="connsiteX10" fmla="*/ 10312 w 1059489"/>
+              <a:gd name="connsiteY10" fmla="*/ 687015 h 1018526"/>
+              <a:gd name="connsiteX0" fmla="*/ 0 w 1059489"/>
+              <a:gd name="connsiteY0" fmla="*/ 375559 h 1018526"/>
+              <a:gd name="connsiteX1" fmla="*/ 301128 w 1059489"/>
+              <a:gd name="connsiteY1" fmla="*/ 304593 h 1018526"/>
+              <a:gd name="connsiteX2" fmla="*/ 400445 w 1059489"/>
+              <a:gd name="connsiteY2" fmla="*/ 75693 h 1018526"/>
+              <a:gd name="connsiteX3" fmla="*/ 703226 w 1059489"/>
+              <a:gd name="connsiteY3" fmla="*/ 9081 h 1018526"/>
+              <a:gd name="connsiteX4" fmla="*/ 999952 w 1059489"/>
+              <a:gd name="connsiteY4" fmla="*/ 251306 h 1018526"/>
+              <a:gd name="connsiteX5" fmla="*/ 1048397 w 1059489"/>
+              <a:gd name="connsiteY5" fmla="*/ 693367 h 1018526"/>
+              <a:gd name="connsiteX6" fmla="*/ 854617 w 1059489"/>
+              <a:gd name="connsiteY6" fmla="*/ 984037 h 1018526"/>
+              <a:gd name="connsiteX7" fmla="*/ 461001 w 1059489"/>
+              <a:gd name="connsiteY7" fmla="*/ 1002204 h 1018526"/>
+              <a:gd name="connsiteX8" fmla="*/ 283105 w 1059489"/>
+              <a:gd name="connsiteY8" fmla="*/ 886409 h 1018526"/>
+              <a:gd name="connsiteX9" fmla="*/ 185861 w 1059489"/>
+              <a:gd name="connsiteY9" fmla="*/ 731452 h 1018526"/>
+              <a:gd name="connsiteX10" fmla="*/ 10312 w 1059489"/>
+              <a:gd name="connsiteY10" fmla="*/ 687015 h 1018526"/>
+              <a:gd name="connsiteX0" fmla="*/ 0 w 1059489"/>
+              <a:gd name="connsiteY0" fmla="*/ 375559 h 1018526"/>
+              <a:gd name="connsiteX1" fmla="*/ 301128 w 1059489"/>
+              <a:gd name="connsiteY1" fmla="*/ 304593 h 1018526"/>
+              <a:gd name="connsiteX2" fmla="*/ 400445 w 1059489"/>
+              <a:gd name="connsiteY2" fmla="*/ 75693 h 1018526"/>
+              <a:gd name="connsiteX3" fmla="*/ 703226 w 1059489"/>
+              <a:gd name="connsiteY3" fmla="*/ 9081 h 1018526"/>
+              <a:gd name="connsiteX4" fmla="*/ 999952 w 1059489"/>
+              <a:gd name="connsiteY4" fmla="*/ 251306 h 1018526"/>
+              <a:gd name="connsiteX5" fmla="*/ 1048397 w 1059489"/>
+              <a:gd name="connsiteY5" fmla="*/ 693367 h 1018526"/>
+              <a:gd name="connsiteX6" fmla="*/ 854617 w 1059489"/>
+              <a:gd name="connsiteY6" fmla="*/ 984037 h 1018526"/>
+              <a:gd name="connsiteX7" fmla="*/ 461001 w 1059489"/>
+              <a:gd name="connsiteY7" fmla="*/ 1002204 h 1018526"/>
+              <a:gd name="connsiteX8" fmla="*/ 283105 w 1059489"/>
+              <a:gd name="connsiteY8" fmla="*/ 886409 h 1018526"/>
+              <a:gd name="connsiteX9" fmla="*/ 185861 w 1059489"/>
+              <a:gd name="connsiteY9" fmla="*/ 731452 h 1018526"/>
+              <a:gd name="connsiteX10" fmla="*/ 10312 w 1059489"/>
+              <a:gd name="connsiteY10" fmla="*/ 687015 h 1018526"/>
+              <a:gd name="connsiteX0" fmla="*/ 0 w 1059489"/>
+              <a:gd name="connsiteY0" fmla="*/ 375559 h 1018526"/>
+              <a:gd name="connsiteX1" fmla="*/ 301128 w 1059489"/>
+              <a:gd name="connsiteY1" fmla="*/ 304593 h 1018526"/>
+              <a:gd name="connsiteX2" fmla="*/ 400445 w 1059489"/>
+              <a:gd name="connsiteY2" fmla="*/ 75693 h 1018526"/>
+              <a:gd name="connsiteX3" fmla="*/ 703226 w 1059489"/>
+              <a:gd name="connsiteY3" fmla="*/ 9081 h 1018526"/>
+              <a:gd name="connsiteX4" fmla="*/ 999952 w 1059489"/>
+              <a:gd name="connsiteY4" fmla="*/ 251306 h 1018526"/>
+              <a:gd name="connsiteX5" fmla="*/ 1048397 w 1059489"/>
+              <a:gd name="connsiteY5" fmla="*/ 693367 h 1018526"/>
+              <a:gd name="connsiteX6" fmla="*/ 854617 w 1059489"/>
+              <a:gd name="connsiteY6" fmla="*/ 984037 h 1018526"/>
+              <a:gd name="connsiteX7" fmla="*/ 461001 w 1059489"/>
+              <a:gd name="connsiteY7" fmla="*/ 1002204 h 1018526"/>
+              <a:gd name="connsiteX8" fmla="*/ 283105 w 1059489"/>
+              <a:gd name="connsiteY8" fmla="*/ 886409 h 1018526"/>
+              <a:gd name="connsiteX9" fmla="*/ 185861 w 1059489"/>
+              <a:gd name="connsiteY9" fmla="*/ 731452 h 1018526"/>
+              <a:gd name="connsiteX10" fmla="*/ 10312 w 1059489"/>
+              <a:gd name="connsiteY10" fmla="*/ 687015 h 1018526"/>
+              <a:gd name="connsiteX0" fmla="*/ 600 w 1049177"/>
+              <a:gd name="connsiteY0" fmla="*/ 405468 h 1018526"/>
+              <a:gd name="connsiteX1" fmla="*/ 290816 w 1049177"/>
+              <a:gd name="connsiteY1" fmla="*/ 304593 h 1018526"/>
+              <a:gd name="connsiteX2" fmla="*/ 390133 w 1049177"/>
+              <a:gd name="connsiteY2" fmla="*/ 75693 h 1018526"/>
+              <a:gd name="connsiteX3" fmla="*/ 692914 w 1049177"/>
+              <a:gd name="connsiteY3" fmla="*/ 9081 h 1018526"/>
+              <a:gd name="connsiteX4" fmla="*/ 989640 w 1049177"/>
+              <a:gd name="connsiteY4" fmla="*/ 251306 h 1018526"/>
+              <a:gd name="connsiteX5" fmla="*/ 1038085 w 1049177"/>
+              <a:gd name="connsiteY5" fmla="*/ 693367 h 1018526"/>
+              <a:gd name="connsiteX6" fmla="*/ 844305 w 1049177"/>
+              <a:gd name="connsiteY6" fmla="*/ 984037 h 1018526"/>
+              <a:gd name="connsiteX7" fmla="*/ 450689 w 1049177"/>
+              <a:gd name="connsiteY7" fmla="*/ 1002204 h 1018526"/>
+              <a:gd name="connsiteX8" fmla="*/ 272793 w 1049177"/>
+              <a:gd name="connsiteY8" fmla="*/ 886409 h 1018526"/>
+              <a:gd name="connsiteX9" fmla="*/ 175549 w 1049177"/>
+              <a:gd name="connsiteY9" fmla="*/ 731452 h 1018526"/>
+              <a:gd name="connsiteX10" fmla="*/ 0 w 1049177"/>
+              <a:gd name="connsiteY10" fmla="*/ 687015 h 1018526"/>
+            </a:gdLst>
+            <a:ahLst/>
+            <a:cxnLst>
+              <a:cxn ang="0">
+                <a:pos x="connsiteX0" y="connsiteY0"/>
+              </a:cxn>
+              <a:cxn ang="0">
+                <a:pos x="connsiteX1" y="connsiteY1"/>
+              </a:cxn>
+              <a:cxn ang="0">
+                <a:pos x="connsiteX2" y="connsiteY2"/>
+              </a:cxn>
+              <a:cxn ang="0">
+                <a:pos x="connsiteX3" y="connsiteY3"/>
+              </a:cxn>
+              <a:cxn ang="0">
+                <a:pos x="connsiteX4" y="connsiteY4"/>
+              </a:cxn>
+              <a:cxn ang="0">
+                <a:pos x="connsiteX5" y="connsiteY5"/>
+              </a:cxn>
+              <a:cxn ang="0">
+                <a:pos x="connsiteX6" y="connsiteY6"/>
+              </a:cxn>
+              <a:cxn ang="0">
+                <a:pos x="connsiteX7" y="connsiteY7"/>
+              </a:cxn>
+              <a:cxn ang="0">
+                <a:pos x="connsiteX8" y="connsiteY8"/>
+              </a:cxn>
+              <a:cxn ang="0">
+                <a:pos x="connsiteX9" y="connsiteY9"/>
+              </a:cxn>
+              <a:cxn ang="0">
+                <a:pos x="connsiteX10" y="connsiteY10"/>
+              </a:cxn>
+            </a:cxnLst>
+            <a:rect l="l" t="t" r="r" b="b"/>
+            <a:pathLst>
+              <a:path w="1049177" h="1018526">
+                <a:moveTo>
+                  <a:pt x="600" y="405468"/>
+                </a:moveTo>
+                <a:cubicBezTo>
+                  <a:pt x="18962" y="392810"/>
+                  <a:pt x="250445" y="328815"/>
+                  <a:pt x="290816" y="304593"/>
+                </a:cubicBezTo>
+                <a:cubicBezTo>
+                  <a:pt x="331187" y="280371"/>
+                  <a:pt x="323117" y="124945"/>
+                  <a:pt x="390133" y="75693"/>
+                </a:cubicBezTo>
+                <a:cubicBezTo>
+                  <a:pt x="457149" y="26441"/>
+                  <a:pt x="592996" y="-20188"/>
+                  <a:pt x="692914" y="9081"/>
+                </a:cubicBezTo>
+                <a:cubicBezTo>
+                  <a:pt x="792832" y="38350"/>
+                  <a:pt x="932112" y="137258"/>
+                  <a:pt x="989640" y="251306"/>
+                </a:cubicBezTo>
+                <a:cubicBezTo>
+                  <a:pt x="1047168" y="365354"/>
+                  <a:pt x="1062307" y="571245"/>
+                  <a:pt x="1038085" y="693367"/>
+                </a:cubicBezTo>
+                <a:cubicBezTo>
+                  <a:pt x="1013863" y="815489"/>
+                  <a:pt x="942204" y="932564"/>
+                  <a:pt x="844305" y="984037"/>
+                </a:cubicBezTo>
+                <a:cubicBezTo>
+                  <a:pt x="746406" y="1035510"/>
+                  <a:pt x="545941" y="1018475"/>
+                  <a:pt x="450689" y="1002204"/>
+                </a:cubicBezTo>
+                <a:cubicBezTo>
+                  <a:pt x="355437" y="985933"/>
+                  <a:pt x="318650" y="931534"/>
+                  <a:pt x="272793" y="886409"/>
+                </a:cubicBezTo>
+                <a:cubicBezTo>
+                  <a:pt x="226936" y="841284"/>
+                  <a:pt x="255568" y="772162"/>
+                  <a:pt x="175549" y="731452"/>
+                </a:cubicBezTo>
+                <a:cubicBezTo>
+                  <a:pt x="95530" y="690742"/>
+                  <a:pt x="24712" y="687775"/>
+                  <a:pt x="0" y="687015"/>
+                </a:cubicBezTo>
+              </a:path>
+            </a:pathLst>
+          </a:custGeom>
+          <a:noFill/>
+          <a:ln w="57150">
+            <a:solidFill>
+              <a:srgbClr val="FFC000"/>
+            </a:solidFill>
+          </a:ln>
+        </p:spPr>
+        <p:style>
+          <a:lnRef idx="2">
+            <a:schemeClr val="accent1">
+              <a:shade val="15000"/>
+            </a:schemeClr>
+          </a:lnRef>
+          <a:fillRef idx="1">
+            <a:schemeClr val="accent1"/>
+          </a:fillRef>
+          <a:effectRef idx="0">
+            <a:schemeClr val="accent1"/>
+          </a:effectRef>
+          <a:fontRef idx="minor">
+            <a:schemeClr val="lt1"/>
+          </a:fontRef>
+        </p:style>
+        <p:txBody>
+          <a:bodyPr rtlCol="0" anchor="ctr"/>
+          <a:lstStyle/>
+          <a:p>
+            <a:pPr algn="ctr"/>
+            <a:endParaRPr lang="en-US"/>
+          </a:p>
+        </p:txBody>
+      </p:sp>
+      <p:sp>
+        <p:nvSpPr>
+          <p:cNvPr id="39" name="TextBox 38">
+            <a:extLst>
+              <a:ext uri="{FF2B5EF4-FFF2-40B4-BE49-F238E27FC236}">
+                <a16:creationId xmlns:a16="http://schemas.microsoft.com/office/drawing/2014/main" id="{E97BBDBD-4F89-15B6-C7EC-E3BC70B01B9F}"/>
+              </a:ext>
+            </a:extLst>
+          </p:cNvPr>
+          <p:cNvSpPr txBox="1"/>
+          <p:nvPr/>
+        </p:nvSpPr>
+        <p:spPr>
+          <a:xfrm>
+            <a:off x="2394184" y="2202891"/>
+            <a:ext cx="829138" cy="369332"/>
+          </a:xfrm>
+          <a:prstGeom prst="rect">
+            <a:avLst/>
+          </a:prstGeom>
+          <a:noFill/>
+        </p:spPr>
+        <p:txBody>
+          <a:bodyPr wrap="none" rtlCol="0">
+            <a:spAutoFit/>
+          </a:bodyPr>
+          <a:lstStyle/>
+          <a:p>
+            <a:r>
+              <a:rPr lang="en-US" dirty="0"/>
+              <a:t>3 volts</a:t>
+            </a:r>
+          </a:p>
+        </p:txBody>
+      </p:sp>
+      <p:sp>
+        <p:nvSpPr>
+          <p:cNvPr id="40" name="TextBox 39">
+            <a:extLst>
+              <a:ext uri="{FF2B5EF4-FFF2-40B4-BE49-F238E27FC236}">
+                <a16:creationId xmlns:a16="http://schemas.microsoft.com/office/drawing/2014/main" id="{CC81B76D-0311-DFC3-2D22-5AA06CB26B7B}"/>
+              </a:ext>
+            </a:extLst>
+          </p:cNvPr>
+          <p:cNvSpPr txBox="1"/>
+          <p:nvPr/>
+        </p:nvSpPr>
+        <p:spPr>
+          <a:xfrm>
+            <a:off x="2492055" y="3150300"/>
+            <a:ext cx="670376" cy="369332"/>
+          </a:xfrm>
+          <a:prstGeom prst="rect">
+            <a:avLst/>
+          </a:prstGeom>
+          <a:noFill/>
+        </p:spPr>
+        <p:txBody>
+          <a:bodyPr wrap="none" rtlCol="0">
+            <a:spAutoFit/>
+          </a:bodyPr>
+          <a:lstStyle/>
+          <a:p>
+            <a:r>
+              <a:rPr lang="en-US" dirty="0"/>
+              <a:t>GND</a:t>
+            </a:r>
+          </a:p>
+        </p:txBody>
+      </p:sp>
+    </p:spTree>
+    <p:extLst>
+      <p:ext uri="{BB962C8B-B14F-4D97-AF65-F5344CB8AC3E}">
+        <p14:creationId xmlns:p14="http://schemas.microsoft.com/office/powerpoint/2010/main" val="80545862"/>
+      </p:ext>
+    </p:extLst>
+  </p:cSld>
+  <p:clrMapOvr>
+    <a:masterClrMapping/>
+  </p:clrMapOvr>
+</p:sld>
+</file>
+
+<file path=ppt/slides/slide4.xml><?xml version="1.0" encoding="utf-8"?>
+<p:sld xmlns:a="http://schemas.openxmlformats.org/drawingml/2006/main" xmlns:r="http://schemas.openxmlformats.org/officeDocument/2006/relationships" xmlns:p="http://schemas.openxmlformats.org/presentationml/2006/main">
+  <p:cSld>
+    <p:spTree>
+      <p:nvGrpSpPr>
+        <p:cNvPr id="1" name=""/>
+        <p:cNvGrpSpPr/>
+        <p:nvPr/>
+      </p:nvGrpSpPr>
+      <p:grpSpPr>
+        <a:xfrm>
+          <a:off x="0" y="0"/>
+          <a:ext cx="0" cy="0"/>
+          <a:chOff x="0" y="0"/>
+          <a:chExt cx="0" cy="0"/>
+        </a:xfrm>
+      </p:grpSpPr>
+      <p:sp>
+        <p:nvSpPr>
           <p:cNvPr id="2" name="Title 1">
             <a:extLst>
               <a:ext uri="{FF2B5EF4-FFF2-40B4-BE49-F238E27FC236}">
@@ -5823,7 +7985,7 @@
 </p:sld>
 </file>
 
-<file path=ppt/slides/slide3.xml><?xml version="1.0" encoding="utf-8"?>
+<file path=ppt/slides/slide5.xml><?xml version="1.0" encoding="utf-8"?>
 <p:sld xmlns:a="http://schemas.openxmlformats.org/drawingml/2006/main" xmlns:r="http://schemas.openxmlformats.org/officeDocument/2006/relationships" xmlns:p="http://schemas.openxmlformats.org/presentationml/2006/main">
   <p:cSld>
     <p:spTree>
@@ -7155,7 +9317,7 @@
         </p:nvSpPr>
         <p:spPr>
           <a:xfrm>
-            <a:off x="1787771" y="2046498"/>
+            <a:off x="2916060" y="2194029"/>
             <a:ext cx="442750" cy="369332"/>
           </a:xfrm>
           <a:prstGeom prst="rect">
@@ -7358,6 +9520,41 @@
             <a:r>
               <a:rPr lang="en-US" dirty="0"/>
               <a:t>5 ma</a:t>
+            </a:r>
+          </a:p>
+        </p:txBody>
+      </p:sp>
+      <p:sp>
+        <p:nvSpPr>
+          <p:cNvPr id="68" name="TextBox 67">
+            <a:extLst>
+              <a:ext uri="{FF2B5EF4-FFF2-40B4-BE49-F238E27FC236}">
+                <a16:creationId xmlns:a16="http://schemas.microsoft.com/office/drawing/2014/main" id="{714A7725-7EA7-E724-408D-32C370422992}"/>
+              </a:ext>
+            </a:extLst>
+          </p:cNvPr>
+          <p:cNvSpPr txBox="1"/>
+          <p:nvPr/>
+        </p:nvSpPr>
+        <p:spPr>
+          <a:xfrm>
+            <a:off x="2908310" y="4554265"/>
+            <a:ext cx="670376" cy="369332"/>
+          </a:xfrm>
+          <a:prstGeom prst="rect">
+            <a:avLst/>
+          </a:prstGeom>
+          <a:noFill/>
+        </p:spPr>
+        <p:txBody>
+          <a:bodyPr wrap="none" rtlCol="0">
+            <a:spAutoFit/>
+          </a:bodyPr>
+          <a:lstStyle/>
+          <a:p>
+            <a:r>
+              <a:rPr lang="en-US" dirty="0"/>
+              <a:t>GND</a:t>
             </a:r>
           </a:p>
         </p:txBody>

--- a/slides/LED-figures.pptx
+++ b/slides/LED-figures.pptx
@@ -10,6 +10,7 @@
     <p:sldId id="259" r:id="rId4"/>
     <p:sldId id="257" r:id="rId5"/>
     <p:sldId id="258" r:id="rId6"/>
+    <p:sldId id="261" r:id="rId7"/>
   </p:sldIdLst>
   <p:sldSz cx="12192000" cy="6858000"/>
   <p:notesSz cx="6858000" cy="9144000"/>
@@ -263,7 +264,7 @@
           <a:p>
             <a:fld id="{8C71783A-126F-C448-85F8-C26E14652278}" type="datetimeFigureOut">
               <a:rPr lang="en-US" smtClean="0"/>
-              <a:t>8/25/24</a:t>
+              <a:t>11/12/24</a:t>
             </a:fld>
             <a:endParaRPr lang="en-US"/>
           </a:p>
@@ -461,7 +462,7 @@
           <a:p>
             <a:fld id="{8C71783A-126F-C448-85F8-C26E14652278}" type="datetimeFigureOut">
               <a:rPr lang="en-US" smtClean="0"/>
-              <a:t>8/25/24</a:t>
+              <a:t>11/12/24</a:t>
             </a:fld>
             <a:endParaRPr lang="en-US"/>
           </a:p>
@@ -669,7 +670,7 @@
           <a:p>
             <a:fld id="{8C71783A-126F-C448-85F8-C26E14652278}" type="datetimeFigureOut">
               <a:rPr lang="en-US" smtClean="0"/>
-              <a:t>8/25/24</a:t>
+              <a:t>11/12/24</a:t>
             </a:fld>
             <a:endParaRPr lang="en-US"/>
           </a:p>
@@ -867,7 +868,7 @@
           <a:p>
             <a:fld id="{8C71783A-126F-C448-85F8-C26E14652278}" type="datetimeFigureOut">
               <a:rPr lang="en-US" smtClean="0"/>
-              <a:t>8/25/24</a:t>
+              <a:t>11/12/24</a:t>
             </a:fld>
             <a:endParaRPr lang="en-US"/>
           </a:p>
@@ -1142,7 +1143,7 @@
           <a:p>
             <a:fld id="{8C71783A-126F-C448-85F8-C26E14652278}" type="datetimeFigureOut">
               <a:rPr lang="en-US" smtClean="0"/>
-              <a:t>8/25/24</a:t>
+              <a:t>11/12/24</a:t>
             </a:fld>
             <a:endParaRPr lang="en-US"/>
           </a:p>
@@ -1407,7 +1408,7 @@
           <a:p>
             <a:fld id="{8C71783A-126F-C448-85F8-C26E14652278}" type="datetimeFigureOut">
               <a:rPr lang="en-US" smtClean="0"/>
-              <a:t>8/25/24</a:t>
+              <a:t>11/12/24</a:t>
             </a:fld>
             <a:endParaRPr lang="en-US"/>
           </a:p>
@@ -1819,7 +1820,7 @@
           <a:p>
             <a:fld id="{8C71783A-126F-C448-85F8-C26E14652278}" type="datetimeFigureOut">
               <a:rPr lang="en-US" smtClean="0"/>
-              <a:t>8/25/24</a:t>
+              <a:t>11/12/24</a:t>
             </a:fld>
             <a:endParaRPr lang="en-US"/>
           </a:p>
@@ -1960,7 +1961,7 @@
           <a:p>
             <a:fld id="{8C71783A-126F-C448-85F8-C26E14652278}" type="datetimeFigureOut">
               <a:rPr lang="en-US" smtClean="0"/>
-              <a:t>8/25/24</a:t>
+              <a:t>11/12/24</a:t>
             </a:fld>
             <a:endParaRPr lang="en-US"/>
           </a:p>
@@ -2073,7 +2074,7 @@
           <a:p>
             <a:fld id="{8C71783A-126F-C448-85F8-C26E14652278}" type="datetimeFigureOut">
               <a:rPr lang="en-US" smtClean="0"/>
-              <a:t>8/25/24</a:t>
+              <a:t>11/12/24</a:t>
             </a:fld>
             <a:endParaRPr lang="en-US"/>
           </a:p>
@@ -2384,7 +2385,7 @@
           <a:p>
             <a:fld id="{8C71783A-126F-C448-85F8-C26E14652278}" type="datetimeFigureOut">
               <a:rPr lang="en-US" smtClean="0"/>
-              <a:t>8/25/24</a:t>
+              <a:t>11/12/24</a:t>
             </a:fld>
             <a:endParaRPr lang="en-US"/>
           </a:p>
@@ -2672,7 +2673,7 @@
           <a:p>
             <a:fld id="{8C71783A-126F-C448-85F8-C26E14652278}" type="datetimeFigureOut">
               <a:rPr lang="en-US" smtClean="0"/>
-              <a:t>8/25/24</a:t>
+              <a:t>11/12/24</a:t>
             </a:fld>
             <a:endParaRPr lang="en-US"/>
           </a:p>
@@ -2913,7 +2914,7 @@
           <a:p>
             <a:fld id="{8C71783A-126F-C448-85F8-C26E14652278}" type="datetimeFigureOut">
               <a:rPr lang="en-US" smtClean="0"/>
-              <a:t>8/25/24</a:t>
+              <a:t>11/12/24</a:t>
             </a:fld>
             <a:endParaRPr lang="en-US"/>
           </a:p>
@@ -9572,6 +9573,1353 @@
 </p:sld>
 </file>
 
+<file path=ppt/slides/slide6.xml><?xml version="1.0" encoding="utf-8"?>
+<p:sld xmlns:a="http://schemas.openxmlformats.org/drawingml/2006/main" xmlns:r="http://schemas.openxmlformats.org/officeDocument/2006/relationships" xmlns:p="http://schemas.openxmlformats.org/presentationml/2006/main">
+  <p:cSld>
+    <p:spTree>
+      <p:nvGrpSpPr>
+        <p:cNvPr id="1" name=""/>
+        <p:cNvGrpSpPr/>
+        <p:nvPr/>
+      </p:nvGrpSpPr>
+      <p:grpSpPr>
+        <a:xfrm>
+          <a:off x="0" y="0"/>
+          <a:ext cx="0" cy="0"/>
+          <a:chOff x="0" y="0"/>
+          <a:chExt cx="0" cy="0"/>
+        </a:xfrm>
+      </p:grpSpPr>
+      <p:sp>
+        <p:nvSpPr>
+          <p:cNvPr id="2" name="Title 1">
+            <a:extLst>
+              <a:ext uri="{FF2B5EF4-FFF2-40B4-BE49-F238E27FC236}">
+                <a16:creationId xmlns:a16="http://schemas.microsoft.com/office/drawing/2014/main" id="{0BA169B4-1247-B406-A258-26506FCA754D}"/>
+              </a:ext>
+            </a:extLst>
+          </p:cNvPr>
+          <p:cNvSpPr>
+            <a:spLocks noGrp="1"/>
+          </p:cNvSpPr>
+          <p:nvPr>
+            <p:ph type="title"/>
+          </p:nvPr>
+        </p:nvSpPr>
+        <p:spPr>
+          <a:xfrm>
+            <a:off x="270641" y="175940"/>
+            <a:ext cx="10515600" cy="633358"/>
+          </a:xfrm>
+        </p:spPr>
+        <p:txBody>
+          <a:bodyPr>
+            <a:normAutofit fontScale="90000"/>
+          </a:bodyPr>
+          <a:lstStyle/>
+          <a:p>
+            <a:r>
+              <a:rPr lang="en-US" dirty="0"/>
+              <a:t>Dark Detector</a:t>
+            </a:r>
+          </a:p>
+        </p:txBody>
+      </p:sp>
+      <p:sp>
+        <p:nvSpPr>
+          <p:cNvPr id="4" name="Oval 3">
+            <a:extLst>
+              <a:ext uri="{FF2B5EF4-FFF2-40B4-BE49-F238E27FC236}">
+                <a16:creationId xmlns:a16="http://schemas.microsoft.com/office/drawing/2014/main" id="{07272995-DA64-75CB-F0B5-1DAE44FE7985}"/>
+              </a:ext>
+            </a:extLst>
+          </p:cNvPr>
+          <p:cNvSpPr/>
+          <p:nvPr/>
+        </p:nvSpPr>
+        <p:spPr>
+          <a:xfrm>
+            <a:off x="5642390" y="2807830"/>
+            <a:ext cx="632287" cy="602396"/>
+          </a:xfrm>
+          <a:prstGeom prst="ellipse">
+            <a:avLst/>
+          </a:prstGeom>
+          <a:solidFill>
+            <a:schemeClr val="bg1"/>
+          </a:solidFill>
+          <a:ln w="28575"/>
+        </p:spPr>
+        <p:style>
+          <a:lnRef idx="2">
+            <a:schemeClr val="accent1">
+              <a:shade val="15000"/>
+            </a:schemeClr>
+          </a:lnRef>
+          <a:fillRef idx="1">
+            <a:schemeClr val="accent1"/>
+          </a:fillRef>
+          <a:effectRef idx="0">
+            <a:schemeClr val="accent1"/>
+          </a:effectRef>
+          <a:fontRef idx="minor">
+            <a:schemeClr val="lt1"/>
+          </a:fontRef>
+        </p:style>
+        <p:txBody>
+          <a:bodyPr rtlCol="0" anchor="ctr"/>
+          <a:lstStyle/>
+          <a:p>
+            <a:pPr algn="ctr"/>
+            <a:endParaRPr lang="en-US"/>
+          </a:p>
+        </p:txBody>
+      </p:sp>
+      <p:cxnSp>
+        <p:nvCxnSpPr>
+          <p:cNvPr id="5" name="Straight Connector 4">
+            <a:extLst>
+              <a:ext uri="{FF2B5EF4-FFF2-40B4-BE49-F238E27FC236}">
+                <a16:creationId xmlns:a16="http://schemas.microsoft.com/office/drawing/2014/main" id="{78EEC72A-F67E-CE31-0E54-EBB325F116EE}"/>
+              </a:ext>
+            </a:extLst>
+          </p:cNvPr>
+          <p:cNvCxnSpPr>
+            <a:cxnSpLocks/>
+          </p:cNvCxnSpPr>
+          <p:nvPr/>
+        </p:nvCxnSpPr>
+        <p:spPr>
+          <a:xfrm>
+            <a:off x="5773368" y="2919213"/>
+            <a:ext cx="5976" cy="385892"/>
+          </a:xfrm>
+          <a:prstGeom prst="line">
+            <a:avLst/>
+          </a:prstGeom>
+          <a:ln w="38100">
+            <a:solidFill>
+              <a:schemeClr val="tx1"/>
+            </a:solidFill>
+          </a:ln>
+        </p:spPr>
+        <p:style>
+          <a:lnRef idx="2">
+            <a:schemeClr val="accent1"/>
+          </a:lnRef>
+          <a:fillRef idx="0">
+            <a:schemeClr val="accent1"/>
+          </a:fillRef>
+          <a:effectRef idx="1">
+            <a:schemeClr val="accent1"/>
+          </a:effectRef>
+          <a:fontRef idx="minor">
+            <a:schemeClr val="tx1"/>
+          </a:fontRef>
+        </p:style>
+      </p:cxnSp>
+      <p:cxnSp>
+        <p:nvCxnSpPr>
+          <p:cNvPr id="6" name="Straight Connector 5">
+            <a:extLst>
+              <a:ext uri="{FF2B5EF4-FFF2-40B4-BE49-F238E27FC236}">
+                <a16:creationId xmlns:a16="http://schemas.microsoft.com/office/drawing/2014/main" id="{527DDA7D-5CF1-D5D3-B0AE-C33014EEA204}"/>
+              </a:ext>
+            </a:extLst>
+          </p:cNvPr>
+          <p:cNvCxnSpPr>
+            <a:cxnSpLocks/>
+          </p:cNvCxnSpPr>
+          <p:nvPr/>
+        </p:nvCxnSpPr>
+        <p:spPr>
+          <a:xfrm>
+            <a:off x="5397178" y="3109028"/>
+            <a:ext cx="382166" cy="0"/>
+          </a:xfrm>
+          <a:prstGeom prst="line">
+            <a:avLst/>
+          </a:prstGeom>
+          <a:ln w="38100">
+            <a:solidFill>
+              <a:schemeClr val="tx1"/>
+            </a:solidFill>
+          </a:ln>
+        </p:spPr>
+        <p:style>
+          <a:lnRef idx="2">
+            <a:schemeClr val="accent1"/>
+          </a:lnRef>
+          <a:fillRef idx="0">
+            <a:schemeClr val="accent1"/>
+          </a:fillRef>
+          <a:effectRef idx="1">
+            <a:schemeClr val="accent1"/>
+          </a:effectRef>
+          <a:fontRef idx="minor">
+            <a:schemeClr val="tx1"/>
+          </a:fontRef>
+        </p:style>
+      </p:cxnSp>
+      <p:cxnSp>
+        <p:nvCxnSpPr>
+          <p:cNvPr id="7" name="Straight Connector 6">
+            <a:extLst>
+              <a:ext uri="{FF2B5EF4-FFF2-40B4-BE49-F238E27FC236}">
+                <a16:creationId xmlns:a16="http://schemas.microsoft.com/office/drawing/2014/main" id="{0D34C6E5-0C60-F4AE-0843-40202DA6F21B}"/>
+              </a:ext>
+            </a:extLst>
+          </p:cNvPr>
+          <p:cNvCxnSpPr>
+            <a:cxnSpLocks/>
+          </p:cNvCxnSpPr>
+          <p:nvPr/>
+        </p:nvCxnSpPr>
+        <p:spPr>
+          <a:xfrm flipV="1">
+            <a:off x="5767450" y="2741035"/>
+            <a:ext cx="408242" cy="371617"/>
+          </a:xfrm>
+          <a:prstGeom prst="line">
+            <a:avLst/>
+          </a:prstGeom>
+          <a:ln w="38100">
+            <a:solidFill>
+              <a:schemeClr val="tx1"/>
+            </a:solidFill>
+          </a:ln>
+        </p:spPr>
+        <p:style>
+          <a:lnRef idx="2">
+            <a:schemeClr val="accent1"/>
+          </a:lnRef>
+          <a:fillRef idx="0">
+            <a:schemeClr val="accent1"/>
+          </a:fillRef>
+          <a:effectRef idx="1">
+            <a:schemeClr val="accent1"/>
+          </a:effectRef>
+          <a:fontRef idx="minor">
+            <a:schemeClr val="tx1"/>
+          </a:fontRef>
+        </p:style>
+      </p:cxnSp>
+      <p:cxnSp>
+        <p:nvCxnSpPr>
+          <p:cNvPr id="8" name="Straight Connector 7">
+            <a:extLst>
+              <a:ext uri="{FF2B5EF4-FFF2-40B4-BE49-F238E27FC236}">
+                <a16:creationId xmlns:a16="http://schemas.microsoft.com/office/drawing/2014/main" id="{8F4EC317-AC10-FCAC-1F86-839037742C10}"/>
+              </a:ext>
+            </a:extLst>
+          </p:cNvPr>
+          <p:cNvCxnSpPr>
+            <a:cxnSpLocks/>
+          </p:cNvCxnSpPr>
+          <p:nvPr/>
+        </p:nvCxnSpPr>
+        <p:spPr>
+          <a:xfrm>
+            <a:off x="5779681" y="3114989"/>
+            <a:ext cx="414623" cy="338459"/>
+          </a:xfrm>
+          <a:prstGeom prst="line">
+            <a:avLst/>
+          </a:prstGeom>
+          <a:ln w="38100">
+            <a:solidFill>
+              <a:schemeClr val="tx1"/>
+            </a:solidFill>
+          </a:ln>
+        </p:spPr>
+        <p:style>
+          <a:lnRef idx="2">
+            <a:schemeClr val="accent1"/>
+          </a:lnRef>
+          <a:fillRef idx="0">
+            <a:schemeClr val="accent1"/>
+          </a:fillRef>
+          <a:effectRef idx="1">
+            <a:schemeClr val="accent1"/>
+          </a:effectRef>
+          <a:fontRef idx="minor">
+            <a:schemeClr val="tx1"/>
+          </a:fontRef>
+        </p:style>
+      </p:cxnSp>
+      <p:cxnSp>
+        <p:nvCxnSpPr>
+          <p:cNvPr id="9" name="Straight Arrow Connector 8">
+            <a:extLst>
+              <a:ext uri="{FF2B5EF4-FFF2-40B4-BE49-F238E27FC236}">
+                <a16:creationId xmlns:a16="http://schemas.microsoft.com/office/drawing/2014/main" id="{89214285-77C7-F445-D2C1-5733AE37A1B3}"/>
+              </a:ext>
+            </a:extLst>
+          </p:cNvPr>
+          <p:cNvCxnSpPr/>
+          <p:nvPr/>
+        </p:nvCxnSpPr>
+        <p:spPr>
+          <a:xfrm>
+            <a:off x="5779344" y="3112652"/>
+            <a:ext cx="304208" cy="244338"/>
+          </a:xfrm>
+          <a:prstGeom prst="straightConnector1">
+            <a:avLst/>
+          </a:prstGeom>
+          <a:ln w="57150">
+            <a:solidFill>
+              <a:schemeClr val="tx1"/>
+            </a:solidFill>
+            <a:tailEnd type="triangle"/>
+          </a:ln>
+        </p:spPr>
+        <p:style>
+          <a:lnRef idx="2">
+            <a:schemeClr val="accent1"/>
+          </a:lnRef>
+          <a:fillRef idx="0">
+            <a:schemeClr val="accent1"/>
+          </a:fillRef>
+          <a:effectRef idx="1">
+            <a:schemeClr val="accent1"/>
+          </a:effectRef>
+          <a:fontRef idx="minor">
+            <a:schemeClr val="tx1"/>
+          </a:fontRef>
+        </p:style>
+      </p:cxnSp>
+      <p:sp>
+        <p:nvSpPr>
+          <p:cNvPr id="10" name="TextBox 9">
+            <a:extLst>
+              <a:ext uri="{FF2B5EF4-FFF2-40B4-BE49-F238E27FC236}">
+                <a16:creationId xmlns:a16="http://schemas.microsoft.com/office/drawing/2014/main" id="{15D6B0DB-F080-4402-74E1-D290AA32A6E6}"/>
+              </a:ext>
+            </a:extLst>
+          </p:cNvPr>
+          <p:cNvSpPr txBox="1"/>
+          <p:nvPr/>
+        </p:nvSpPr>
+        <p:spPr>
+          <a:xfrm>
+            <a:off x="5377020" y="3145535"/>
+            <a:ext cx="234879" cy="276999"/>
+          </a:xfrm>
+          <a:prstGeom prst="rect">
+            <a:avLst/>
+          </a:prstGeom>
+          <a:noFill/>
+        </p:spPr>
+        <p:txBody>
+          <a:bodyPr wrap="square" lIns="0" tIns="0" rIns="0" bIns="0" rtlCol="0">
+            <a:spAutoFit/>
+          </a:bodyPr>
+          <a:lstStyle/>
+          <a:p>
+            <a:pPr algn="ctr"/>
+            <a:r>
+              <a:rPr lang="en-US" dirty="0"/>
+              <a:t>B</a:t>
+            </a:r>
+          </a:p>
+        </p:txBody>
+      </p:sp>
+      <p:sp>
+        <p:nvSpPr>
+          <p:cNvPr id="11" name="TextBox 10">
+            <a:extLst>
+              <a:ext uri="{FF2B5EF4-FFF2-40B4-BE49-F238E27FC236}">
+                <a16:creationId xmlns:a16="http://schemas.microsoft.com/office/drawing/2014/main" id="{D1DE18D5-D577-FCC8-C8D5-C75B1A89FAAD}"/>
+              </a:ext>
+            </a:extLst>
+          </p:cNvPr>
+          <p:cNvSpPr txBox="1"/>
+          <p:nvPr/>
+        </p:nvSpPr>
+        <p:spPr>
+          <a:xfrm>
+            <a:off x="5996896" y="3469460"/>
+            <a:ext cx="173312" cy="149988"/>
+          </a:xfrm>
+          <a:prstGeom prst="rect">
+            <a:avLst/>
+          </a:prstGeom>
+          <a:noFill/>
+        </p:spPr>
+        <p:txBody>
+          <a:bodyPr wrap="square" lIns="0" tIns="0" rIns="0" bIns="0" rtlCol="0">
+            <a:spAutoFit/>
+          </a:bodyPr>
+          <a:lstStyle/>
+          <a:p>
+            <a:pPr algn="ctr"/>
+            <a:r>
+              <a:rPr lang="en-US" dirty="0"/>
+              <a:t>E</a:t>
+            </a:r>
+          </a:p>
+        </p:txBody>
+      </p:sp>
+      <p:sp>
+        <p:nvSpPr>
+          <p:cNvPr id="12" name="TextBox 11">
+            <a:extLst>
+              <a:ext uri="{FF2B5EF4-FFF2-40B4-BE49-F238E27FC236}">
+                <a16:creationId xmlns:a16="http://schemas.microsoft.com/office/drawing/2014/main" id="{27BC01B9-2361-7032-14BA-B7DBF559DC50}"/>
+              </a:ext>
+            </a:extLst>
+          </p:cNvPr>
+          <p:cNvSpPr txBox="1"/>
+          <p:nvPr/>
+        </p:nvSpPr>
+        <p:spPr>
+          <a:xfrm>
+            <a:off x="5938660" y="2508858"/>
+            <a:ext cx="194908" cy="276999"/>
+          </a:xfrm>
+          <a:prstGeom prst="rect">
+            <a:avLst/>
+          </a:prstGeom>
+          <a:noFill/>
+        </p:spPr>
+        <p:txBody>
+          <a:bodyPr wrap="square" lIns="0" tIns="0" rIns="0" bIns="0" rtlCol="0">
+            <a:spAutoFit/>
+          </a:bodyPr>
+          <a:lstStyle/>
+          <a:p>
+            <a:pPr algn="ctr"/>
+            <a:r>
+              <a:rPr lang="en-US" dirty="0"/>
+              <a:t>C</a:t>
+            </a:r>
+          </a:p>
+        </p:txBody>
+      </p:sp>
+      <p:cxnSp>
+        <p:nvCxnSpPr>
+          <p:cNvPr id="13" name="Straight Connector 12">
+            <a:extLst>
+              <a:ext uri="{FF2B5EF4-FFF2-40B4-BE49-F238E27FC236}">
+                <a16:creationId xmlns:a16="http://schemas.microsoft.com/office/drawing/2014/main" id="{DF5294F3-06D9-7E59-164D-CB1DA68661E9}"/>
+              </a:ext>
+            </a:extLst>
+          </p:cNvPr>
+          <p:cNvCxnSpPr>
+            <a:cxnSpLocks/>
+          </p:cNvCxnSpPr>
+          <p:nvPr/>
+        </p:nvCxnSpPr>
+        <p:spPr>
+          <a:xfrm>
+            <a:off x="6175692" y="2585694"/>
+            <a:ext cx="0" cy="170336"/>
+          </a:xfrm>
+          <a:prstGeom prst="line">
+            <a:avLst/>
+          </a:prstGeom>
+          <a:ln w="38100">
+            <a:solidFill>
+              <a:schemeClr val="tx1"/>
+            </a:solidFill>
+          </a:ln>
+        </p:spPr>
+        <p:style>
+          <a:lnRef idx="2">
+            <a:schemeClr val="accent1"/>
+          </a:lnRef>
+          <a:fillRef idx="0">
+            <a:schemeClr val="accent1"/>
+          </a:fillRef>
+          <a:effectRef idx="1">
+            <a:schemeClr val="accent1"/>
+          </a:effectRef>
+          <a:fontRef idx="minor">
+            <a:schemeClr val="tx1"/>
+          </a:fontRef>
+        </p:style>
+      </p:cxnSp>
+      <p:cxnSp>
+        <p:nvCxnSpPr>
+          <p:cNvPr id="14" name="Straight Connector 13">
+            <a:extLst>
+              <a:ext uri="{FF2B5EF4-FFF2-40B4-BE49-F238E27FC236}">
+                <a16:creationId xmlns:a16="http://schemas.microsoft.com/office/drawing/2014/main" id="{41A4C2F8-FCCB-4F80-F6D7-4D3C2A671332}"/>
+              </a:ext>
+            </a:extLst>
+          </p:cNvPr>
+          <p:cNvCxnSpPr>
+            <a:cxnSpLocks/>
+          </p:cNvCxnSpPr>
+          <p:nvPr/>
+        </p:nvCxnSpPr>
+        <p:spPr>
+          <a:xfrm>
+            <a:off x="6194304" y="3449112"/>
+            <a:ext cx="0" cy="170336"/>
+          </a:xfrm>
+          <a:prstGeom prst="line">
+            <a:avLst/>
+          </a:prstGeom>
+          <a:ln w="38100">
+            <a:solidFill>
+              <a:schemeClr val="tx1"/>
+            </a:solidFill>
+          </a:ln>
+        </p:spPr>
+        <p:style>
+          <a:lnRef idx="2">
+            <a:schemeClr val="accent1"/>
+          </a:lnRef>
+          <a:fillRef idx="0">
+            <a:schemeClr val="accent1"/>
+          </a:fillRef>
+          <a:effectRef idx="1">
+            <a:schemeClr val="accent1"/>
+          </a:effectRef>
+          <a:fontRef idx="minor">
+            <a:schemeClr val="tx1"/>
+          </a:fontRef>
+        </p:style>
+      </p:cxnSp>
+      <p:pic>
+        <p:nvPicPr>
+          <p:cNvPr id="16" name="Picture 15">
+            <a:extLst>
+              <a:ext uri="{FF2B5EF4-FFF2-40B4-BE49-F238E27FC236}">
+                <a16:creationId xmlns:a16="http://schemas.microsoft.com/office/drawing/2014/main" id="{44E71961-B34F-72D2-9CC4-D721C35A53C5}"/>
+              </a:ext>
+            </a:extLst>
+          </p:cNvPr>
+          <p:cNvPicPr>
+            <a:picLocks noChangeAspect="1"/>
+          </p:cNvPicPr>
+          <p:nvPr/>
+        </p:nvPicPr>
+        <p:blipFill>
+          <a:blip r:embed="rId2"/>
+          <a:stretch>
+            <a:fillRect/>
+          </a:stretch>
+        </p:blipFill>
+        <p:spPr>
+          <a:xfrm flipH="1">
+            <a:off x="4828085" y="1594447"/>
+            <a:ext cx="366848" cy="973994"/>
+          </a:xfrm>
+          <a:prstGeom prst="rect">
+            <a:avLst/>
+          </a:prstGeom>
+        </p:spPr>
+      </p:pic>
+      <p:cxnSp>
+        <p:nvCxnSpPr>
+          <p:cNvPr id="17" name="Straight Connector 16">
+            <a:extLst>
+              <a:ext uri="{FF2B5EF4-FFF2-40B4-BE49-F238E27FC236}">
+                <a16:creationId xmlns:a16="http://schemas.microsoft.com/office/drawing/2014/main" id="{EA1A2A4C-2AB7-BFDA-0128-24AC3B64E4FF}"/>
+              </a:ext>
+            </a:extLst>
+          </p:cNvPr>
+          <p:cNvCxnSpPr>
+            <a:cxnSpLocks/>
+          </p:cNvCxnSpPr>
+          <p:nvPr/>
+        </p:nvCxnSpPr>
+        <p:spPr>
+          <a:xfrm flipH="1">
+            <a:off x="4124550" y="4273037"/>
+            <a:ext cx="2872519" cy="0"/>
+          </a:xfrm>
+          <a:prstGeom prst="line">
+            <a:avLst/>
+          </a:prstGeom>
+          <a:ln w="38100">
+            <a:solidFill>
+              <a:schemeClr val="tx1"/>
+            </a:solidFill>
+          </a:ln>
+        </p:spPr>
+        <p:style>
+          <a:lnRef idx="2">
+            <a:schemeClr val="accent1"/>
+          </a:lnRef>
+          <a:fillRef idx="0">
+            <a:schemeClr val="accent1"/>
+          </a:fillRef>
+          <a:effectRef idx="1">
+            <a:schemeClr val="accent1"/>
+          </a:effectRef>
+          <a:fontRef idx="minor">
+            <a:schemeClr val="tx1"/>
+          </a:fontRef>
+        </p:style>
+      </p:cxnSp>
+      <p:cxnSp>
+        <p:nvCxnSpPr>
+          <p:cNvPr id="18" name="Straight Connector 17">
+            <a:extLst>
+              <a:ext uri="{FF2B5EF4-FFF2-40B4-BE49-F238E27FC236}">
+                <a16:creationId xmlns:a16="http://schemas.microsoft.com/office/drawing/2014/main" id="{DDDAA28C-1BA9-5634-0553-2DC6DA55E7E4}"/>
+              </a:ext>
+            </a:extLst>
+          </p:cNvPr>
+          <p:cNvCxnSpPr>
+            <a:cxnSpLocks/>
+          </p:cNvCxnSpPr>
+          <p:nvPr/>
+        </p:nvCxnSpPr>
+        <p:spPr>
+          <a:xfrm flipH="1">
+            <a:off x="4042611" y="1614954"/>
+            <a:ext cx="2954458" cy="7652"/>
+          </a:xfrm>
+          <a:prstGeom prst="line">
+            <a:avLst/>
+          </a:prstGeom>
+          <a:ln w="38100">
+            <a:solidFill>
+              <a:srgbClr val="FF0000"/>
+            </a:solidFill>
+          </a:ln>
+        </p:spPr>
+        <p:style>
+          <a:lnRef idx="2">
+            <a:schemeClr val="accent1"/>
+          </a:lnRef>
+          <a:fillRef idx="0">
+            <a:schemeClr val="accent1"/>
+          </a:fillRef>
+          <a:effectRef idx="1">
+            <a:schemeClr val="accent1"/>
+          </a:effectRef>
+          <a:fontRef idx="minor">
+            <a:schemeClr val="tx1"/>
+          </a:fontRef>
+        </p:style>
+      </p:cxnSp>
+      <p:sp>
+        <p:nvSpPr>
+          <p:cNvPr id="19" name="TextBox 18">
+            <a:extLst>
+              <a:ext uri="{FF2B5EF4-FFF2-40B4-BE49-F238E27FC236}">
+                <a16:creationId xmlns:a16="http://schemas.microsoft.com/office/drawing/2014/main" id="{5C4DF3B9-F32F-465A-D5A9-0F76BBD876EE}"/>
+              </a:ext>
+            </a:extLst>
+          </p:cNvPr>
+          <p:cNvSpPr txBox="1"/>
+          <p:nvPr/>
+        </p:nvSpPr>
+        <p:spPr>
+          <a:xfrm>
+            <a:off x="3584564" y="1461022"/>
+            <a:ext cx="448022" cy="369332"/>
+          </a:xfrm>
+          <a:prstGeom prst="rect">
+            <a:avLst/>
+          </a:prstGeom>
+          <a:noFill/>
+        </p:spPr>
+        <p:txBody>
+          <a:bodyPr wrap="square" rtlCol="0">
+            <a:spAutoFit/>
+          </a:bodyPr>
+          <a:lstStyle/>
+          <a:p>
+            <a:r>
+              <a:rPr lang="en-US" dirty="0"/>
+              <a:t>5V</a:t>
+            </a:r>
+          </a:p>
+        </p:txBody>
+      </p:sp>
+      <p:sp>
+        <p:nvSpPr>
+          <p:cNvPr id="20" name="TextBox 19">
+            <a:extLst>
+              <a:ext uri="{FF2B5EF4-FFF2-40B4-BE49-F238E27FC236}">
+                <a16:creationId xmlns:a16="http://schemas.microsoft.com/office/drawing/2014/main" id="{2846ED82-703F-2A77-3424-077A35E48D3F}"/>
+              </a:ext>
+            </a:extLst>
+          </p:cNvPr>
+          <p:cNvSpPr txBox="1"/>
+          <p:nvPr/>
+        </p:nvSpPr>
+        <p:spPr>
+          <a:xfrm>
+            <a:off x="3496976" y="4088371"/>
+            <a:ext cx="670376" cy="369332"/>
+          </a:xfrm>
+          <a:prstGeom prst="rect">
+            <a:avLst/>
+          </a:prstGeom>
+          <a:noFill/>
+        </p:spPr>
+        <p:txBody>
+          <a:bodyPr wrap="none" rtlCol="0">
+            <a:spAutoFit/>
+          </a:bodyPr>
+          <a:lstStyle/>
+          <a:p>
+            <a:r>
+              <a:rPr lang="en-US" dirty="0"/>
+              <a:t>GND</a:t>
+            </a:r>
+          </a:p>
+        </p:txBody>
+      </p:sp>
+      <p:pic>
+        <p:nvPicPr>
+          <p:cNvPr id="21" name="Picture 20">
+            <a:extLst>
+              <a:ext uri="{FF2B5EF4-FFF2-40B4-BE49-F238E27FC236}">
+                <a16:creationId xmlns:a16="http://schemas.microsoft.com/office/drawing/2014/main" id="{0CCE3859-E5F1-6B6B-AFB8-4701AE9EFEAE}"/>
+              </a:ext>
+            </a:extLst>
+          </p:cNvPr>
+          <p:cNvPicPr>
+            <a:picLocks noChangeAspect="1"/>
+          </p:cNvPicPr>
+          <p:nvPr/>
+        </p:nvPicPr>
+        <p:blipFill>
+          <a:blip r:embed="rId3"/>
+          <a:stretch>
+            <a:fillRect/>
+          </a:stretch>
+        </p:blipFill>
+        <p:spPr>
+          <a:xfrm rot="16200000">
+            <a:off x="4887993" y="2539239"/>
+            <a:ext cx="606662" cy="148244"/>
+          </a:xfrm>
+          <a:prstGeom prst="rect">
+            <a:avLst/>
+          </a:prstGeom>
+        </p:spPr>
+      </p:pic>
+      <p:sp>
+        <p:nvSpPr>
+          <p:cNvPr id="22" name="TextBox 21">
+            <a:extLst>
+              <a:ext uri="{FF2B5EF4-FFF2-40B4-BE49-F238E27FC236}">
+                <a16:creationId xmlns:a16="http://schemas.microsoft.com/office/drawing/2014/main" id="{23FA8411-6F31-3595-C18B-3C7C6070E619}"/>
+              </a:ext>
+            </a:extLst>
+          </p:cNvPr>
+          <p:cNvSpPr txBox="1"/>
+          <p:nvPr/>
+        </p:nvSpPr>
+        <p:spPr>
+          <a:xfrm>
+            <a:off x="5176840" y="2475257"/>
+            <a:ext cx="745717" cy="261610"/>
+          </a:xfrm>
+          <a:prstGeom prst="rect">
+            <a:avLst/>
+          </a:prstGeom>
+          <a:noFill/>
+        </p:spPr>
+        <p:txBody>
+          <a:bodyPr wrap="none" rtlCol="0">
+            <a:spAutoFit/>
+          </a:bodyPr>
+          <a:lstStyle/>
+          <a:p>
+            <a:r>
+              <a:rPr lang="en-US" sz="1050" dirty="0"/>
+              <a:t>10K Ohm</a:t>
+            </a:r>
+          </a:p>
+        </p:txBody>
+      </p:sp>
+      <p:sp>
+        <p:nvSpPr>
+          <p:cNvPr id="23" name="TextBox 22">
+            <a:extLst>
+              <a:ext uri="{FF2B5EF4-FFF2-40B4-BE49-F238E27FC236}">
+                <a16:creationId xmlns:a16="http://schemas.microsoft.com/office/drawing/2014/main" id="{466FB236-7F11-3472-E8D3-960BA8B7F43A}"/>
+              </a:ext>
+            </a:extLst>
+          </p:cNvPr>
+          <p:cNvSpPr txBox="1"/>
+          <p:nvPr/>
+        </p:nvSpPr>
+        <p:spPr>
+          <a:xfrm>
+            <a:off x="3890595" y="1972482"/>
+            <a:ext cx="1019831" cy="261610"/>
+          </a:xfrm>
+          <a:prstGeom prst="rect">
+            <a:avLst/>
+          </a:prstGeom>
+          <a:noFill/>
+        </p:spPr>
+        <p:txBody>
+          <a:bodyPr wrap="none" rtlCol="0">
+            <a:spAutoFit/>
+          </a:bodyPr>
+          <a:lstStyle/>
+          <a:p>
+            <a:r>
+              <a:rPr lang="en-US" sz="1050" dirty="0"/>
+              <a:t>10K Ohm Pot.</a:t>
+            </a:r>
+          </a:p>
+        </p:txBody>
+      </p:sp>
+      <p:cxnSp>
+        <p:nvCxnSpPr>
+          <p:cNvPr id="26" name="Straight Connector 25">
+            <a:extLst>
+              <a:ext uri="{FF2B5EF4-FFF2-40B4-BE49-F238E27FC236}">
+                <a16:creationId xmlns:a16="http://schemas.microsoft.com/office/drawing/2014/main" id="{344A07DA-463D-5D46-E0FC-1581C8DD04A1}"/>
+              </a:ext>
+            </a:extLst>
+          </p:cNvPr>
+          <p:cNvCxnSpPr>
+            <a:cxnSpLocks/>
+          </p:cNvCxnSpPr>
+          <p:nvPr/>
+        </p:nvCxnSpPr>
+        <p:spPr>
+          <a:xfrm>
+            <a:off x="6194304" y="3543614"/>
+            <a:ext cx="0" cy="760912"/>
+          </a:xfrm>
+          <a:prstGeom prst="line">
+            <a:avLst/>
+          </a:prstGeom>
+          <a:ln w="38100">
+            <a:solidFill>
+              <a:schemeClr val="tx1"/>
+            </a:solidFill>
+          </a:ln>
+        </p:spPr>
+        <p:style>
+          <a:lnRef idx="2">
+            <a:schemeClr val="accent1"/>
+          </a:lnRef>
+          <a:fillRef idx="0">
+            <a:schemeClr val="accent1"/>
+          </a:fillRef>
+          <a:effectRef idx="1">
+            <a:schemeClr val="accent1"/>
+          </a:effectRef>
+          <a:fontRef idx="minor">
+            <a:schemeClr val="tx1"/>
+          </a:fontRef>
+        </p:style>
+      </p:cxnSp>
+      <p:cxnSp>
+        <p:nvCxnSpPr>
+          <p:cNvPr id="28" name="Straight Connector 27">
+            <a:extLst>
+              <a:ext uri="{FF2B5EF4-FFF2-40B4-BE49-F238E27FC236}">
+                <a16:creationId xmlns:a16="http://schemas.microsoft.com/office/drawing/2014/main" id="{C94D2F0C-E7AD-B3D3-07D7-F74A35A7D684}"/>
+              </a:ext>
+            </a:extLst>
+          </p:cNvPr>
+          <p:cNvCxnSpPr>
+            <a:cxnSpLocks/>
+          </p:cNvCxnSpPr>
+          <p:nvPr/>
+        </p:nvCxnSpPr>
+        <p:spPr>
+          <a:xfrm flipH="1">
+            <a:off x="6170208" y="2607647"/>
+            <a:ext cx="200238" cy="0"/>
+          </a:xfrm>
+          <a:prstGeom prst="line">
+            <a:avLst/>
+          </a:prstGeom>
+          <a:ln w="38100">
+            <a:solidFill>
+              <a:schemeClr val="tx1"/>
+            </a:solidFill>
+          </a:ln>
+        </p:spPr>
+        <p:style>
+          <a:lnRef idx="2">
+            <a:schemeClr val="accent1"/>
+          </a:lnRef>
+          <a:fillRef idx="0">
+            <a:schemeClr val="accent1"/>
+          </a:fillRef>
+          <a:effectRef idx="1">
+            <a:schemeClr val="accent1"/>
+          </a:effectRef>
+          <a:fontRef idx="minor">
+            <a:schemeClr val="tx1"/>
+          </a:fontRef>
+        </p:style>
+      </p:cxnSp>
+      <p:cxnSp>
+        <p:nvCxnSpPr>
+          <p:cNvPr id="32" name="Straight Connector 31">
+            <a:extLst>
+              <a:ext uri="{FF2B5EF4-FFF2-40B4-BE49-F238E27FC236}">
+                <a16:creationId xmlns:a16="http://schemas.microsoft.com/office/drawing/2014/main" id="{9274DA49-A33A-C491-8257-4147CB98AEC9}"/>
+              </a:ext>
+            </a:extLst>
+          </p:cNvPr>
+          <p:cNvCxnSpPr>
+            <a:cxnSpLocks/>
+            <a:endCxn id="21" idx="3"/>
+          </p:cNvCxnSpPr>
+          <p:nvPr/>
+        </p:nvCxnSpPr>
+        <p:spPr>
+          <a:xfrm>
+            <a:off x="5191324" y="2121428"/>
+            <a:ext cx="0" cy="188602"/>
+          </a:xfrm>
+          <a:prstGeom prst="line">
+            <a:avLst/>
+          </a:prstGeom>
+          <a:ln w="38100">
+            <a:solidFill>
+              <a:schemeClr val="tx1"/>
+            </a:solidFill>
+          </a:ln>
+        </p:spPr>
+        <p:style>
+          <a:lnRef idx="2">
+            <a:schemeClr val="accent1"/>
+          </a:lnRef>
+          <a:fillRef idx="0">
+            <a:schemeClr val="accent1"/>
+          </a:fillRef>
+          <a:effectRef idx="1">
+            <a:schemeClr val="accent1"/>
+          </a:effectRef>
+          <a:fontRef idx="minor">
+            <a:schemeClr val="tx1"/>
+          </a:fontRef>
+        </p:style>
+      </p:cxnSp>
+      <p:cxnSp>
+        <p:nvCxnSpPr>
+          <p:cNvPr id="34" name="Straight Connector 33">
+            <a:extLst>
+              <a:ext uri="{FF2B5EF4-FFF2-40B4-BE49-F238E27FC236}">
+                <a16:creationId xmlns:a16="http://schemas.microsoft.com/office/drawing/2014/main" id="{DF69A94C-4BC4-48D1-E8B7-E73B9FF1486B}"/>
+              </a:ext>
+            </a:extLst>
+          </p:cNvPr>
+          <p:cNvCxnSpPr>
+            <a:cxnSpLocks/>
+          </p:cNvCxnSpPr>
+          <p:nvPr/>
+        </p:nvCxnSpPr>
+        <p:spPr>
+          <a:xfrm>
+            <a:off x="5191324" y="2920426"/>
+            <a:ext cx="3609" cy="377438"/>
+          </a:xfrm>
+          <a:prstGeom prst="line">
+            <a:avLst/>
+          </a:prstGeom>
+          <a:ln w="38100">
+            <a:solidFill>
+              <a:schemeClr val="tx1"/>
+            </a:solidFill>
+          </a:ln>
+        </p:spPr>
+        <p:style>
+          <a:lnRef idx="2">
+            <a:schemeClr val="accent1"/>
+          </a:lnRef>
+          <a:fillRef idx="0">
+            <a:schemeClr val="accent1"/>
+          </a:fillRef>
+          <a:effectRef idx="1">
+            <a:schemeClr val="accent1"/>
+          </a:effectRef>
+          <a:fontRef idx="minor">
+            <a:schemeClr val="tx1"/>
+          </a:fontRef>
+        </p:style>
+      </p:cxnSp>
+      <p:cxnSp>
+        <p:nvCxnSpPr>
+          <p:cNvPr id="35" name="Straight Connector 34">
+            <a:extLst>
+              <a:ext uri="{FF2B5EF4-FFF2-40B4-BE49-F238E27FC236}">
+                <a16:creationId xmlns:a16="http://schemas.microsoft.com/office/drawing/2014/main" id="{6FF40EAD-B7A5-A090-C402-E391B788C3D7}"/>
+              </a:ext>
+            </a:extLst>
+          </p:cNvPr>
+          <p:cNvCxnSpPr>
+            <a:cxnSpLocks/>
+          </p:cNvCxnSpPr>
+          <p:nvPr/>
+        </p:nvCxnSpPr>
+        <p:spPr>
+          <a:xfrm>
+            <a:off x="5191324" y="3109028"/>
+            <a:ext cx="205517" cy="0"/>
+          </a:xfrm>
+          <a:prstGeom prst="line">
+            <a:avLst/>
+          </a:prstGeom>
+          <a:ln w="38100">
+            <a:solidFill>
+              <a:schemeClr val="tx1"/>
+            </a:solidFill>
+          </a:ln>
+        </p:spPr>
+        <p:style>
+          <a:lnRef idx="2">
+            <a:schemeClr val="accent1"/>
+          </a:lnRef>
+          <a:fillRef idx="0">
+            <a:schemeClr val="accent1"/>
+          </a:fillRef>
+          <a:effectRef idx="1">
+            <a:schemeClr val="accent1"/>
+          </a:effectRef>
+          <a:fontRef idx="minor">
+            <a:schemeClr val="tx1"/>
+          </a:fontRef>
+        </p:style>
+      </p:cxnSp>
+      <p:pic>
+        <p:nvPicPr>
+          <p:cNvPr id="38" name="Picture 37">
+            <a:extLst>
+              <a:ext uri="{FF2B5EF4-FFF2-40B4-BE49-F238E27FC236}">
+                <a16:creationId xmlns:a16="http://schemas.microsoft.com/office/drawing/2014/main" id="{96E755A4-75C1-1B73-E2B4-5426E561461F}"/>
+              </a:ext>
+            </a:extLst>
+          </p:cNvPr>
+          <p:cNvPicPr>
+            <a:picLocks noChangeAspect="1"/>
+          </p:cNvPicPr>
+          <p:nvPr/>
+        </p:nvPicPr>
+        <p:blipFill>
+          <a:blip r:embed="rId4"/>
+          <a:stretch>
+            <a:fillRect/>
+          </a:stretch>
+        </p:blipFill>
+        <p:spPr>
+          <a:xfrm>
+            <a:off x="4910426" y="3300550"/>
+            <a:ext cx="467551" cy="435998"/>
+          </a:xfrm>
+          <a:prstGeom prst="rect">
+            <a:avLst/>
+          </a:prstGeom>
+        </p:spPr>
+      </p:pic>
+      <p:cxnSp>
+        <p:nvCxnSpPr>
+          <p:cNvPr id="42" name="Straight Connector 41">
+            <a:extLst>
+              <a:ext uri="{FF2B5EF4-FFF2-40B4-BE49-F238E27FC236}">
+                <a16:creationId xmlns:a16="http://schemas.microsoft.com/office/drawing/2014/main" id="{50868524-B4A9-CFA1-9695-8AC2D6EE31CB}"/>
+              </a:ext>
+            </a:extLst>
+          </p:cNvPr>
+          <p:cNvCxnSpPr>
+            <a:cxnSpLocks/>
+          </p:cNvCxnSpPr>
+          <p:nvPr/>
+        </p:nvCxnSpPr>
+        <p:spPr>
+          <a:xfrm>
+            <a:off x="5187715" y="3745292"/>
+            <a:ext cx="3609" cy="527745"/>
+          </a:xfrm>
+          <a:prstGeom prst="line">
+            <a:avLst/>
+          </a:prstGeom>
+          <a:ln w="38100">
+            <a:solidFill>
+              <a:schemeClr val="tx1"/>
+            </a:solidFill>
+          </a:ln>
+        </p:spPr>
+        <p:style>
+          <a:lnRef idx="2">
+            <a:schemeClr val="accent1"/>
+          </a:lnRef>
+          <a:fillRef idx="0">
+            <a:schemeClr val="accent1"/>
+          </a:fillRef>
+          <a:effectRef idx="1">
+            <a:schemeClr val="accent1"/>
+          </a:effectRef>
+          <a:fontRef idx="minor">
+            <a:schemeClr val="tx1"/>
+          </a:fontRef>
+        </p:style>
+      </p:cxnSp>
+      <p:pic>
+        <p:nvPicPr>
+          <p:cNvPr id="44" name="Picture 43">
+            <a:extLst>
+              <a:ext uri="{FF2B5EF4-FFF2-40B4-BE49-F238E27FC236}">
+                <a16:creationId xmlns:a16="http://schemas.microsoft.com/office/drawing/2014/main" id="{74CFAC6E-096B-98EE-C88C-388BED506220}"/>
+              </a:ext>
+            </a:extLst>
+          </p:cNvPr>
+          <p:cNvPicPr>
+            <a:picLocks noChangeAspect="1"/>
+          </p:cNvPicPr>
+          <p:nvPr/>
+        </p:nvPicPr>
+        <p:blipFill>
+          <a:blip r:embed="rId3"/>
+          <a:stretch>
+            <a:fillRect/>
+          </a:stretch>
+        </p:blipFill>
+        <p:spPr>
+          <a:xfrm>
+            <a:off x="6370357" y="2517714"/>
+            <a:ext cx="606662" cy="148244"/>
+          </a:xfrm>
+          <a:prstGeom prst="rect">
+            <a:avLst/>
+          </a:prstGeom>
+        </p:spPr>
+      </p:pic>
+      <p:sp>
+        <p:nvSpPr>
+          <p:cNvPr id="45" name="TextBox 44">
+            <a:extLst>
+              <a:ext uri="{FF2B5EF4-FFF2-40B4-BE49-F238E27FC236}">
+                <a16:creationId xmlns:a16="http://schemas.microsoft.com/office/drawing/2014/main" id="{C15044C4-AB81-4CF9-6FA4-058958F0D064}"/>
+              </a:ext>
+            </a:extLst>
+          </p:cNvPr>
+          <p:cNvSpPr txBox="1"/>
+          <p:nvPr/>
+        </p:nvSpPr>
+        <p:spPr>
+          <a:xfrm>
+            <a:off x="6326833" y="2647357"/>
+            <a:ext cx="740908" cy="261610"/>
+          </a:xfrm>
+          <a:prstGeom prst="rect">
+            <a:avLst/>
+          </a:prstGeom>
+          <a:noFill/>
+        </p:spPr>
+        <p:txBody>
+          <a:bodyPr wrap="none" rtlCol="0">
+            <a:spAutoFit/>
+          </a:bodyPr>
+          <a:lstStyle/>
+          <a:p>
+            <a:r>
+              <a:rPr lang="en-US" sz="1050" dirty="0"/>
+              <a:t>330 Ohm</a:t>
+            </a:r>
+          </a:p>
+        </p:txBody>
+      </p:sp>
+      <p:sp>
+        <p:nvSpPr>
+          <p:cNvPr id="47" name="TextBox 46">
+            <a:extLst>
+              <a:ext uri="{FF2B5EF4-FFF2-40B4-BE49-F238E27FC236}">
+                <a16:creationId xmlns:a16="http://schemas.microsoft.com/office/drawing/2014/main" id="{C585A5C8-2D04-05C4-A398-DCFDD5AD4CC9}"/>
+              </a:ext>
+            </a:extLst>
+          </p:cNvPr>
+          <p:cNvSpPr txBox="1"/>
+          <p:nvPr/>
+        </p:nvSpPr>
+        <p:spPr>
+          <a:xfrm>
+            <a:off x="6149208" y="3230032"/>
+            <a:ext cx="639919" cy="253916"/>
+          </a:xfrm>
+          <a:prstGeom prst="rect">
+            <a:avLst/>
+          </a:prstGeom>
+          <a:noFill/>
+        </p:spPr>
+        <p:txBody>
+          <a:bodyPr wrap="none" rtlCol="0">
+            <a:spAutoFit/>
+          </a:bodyPr>
+          <a:lstStyle/>
+          <a:p>
+            <a:r>
+              <a:rPr lang="en-US" sz="1050" dirty="0"/>
+              <a:t>2N2222</a:t>
+            </a:r>
+          </a:p>
+        </p:txBody>
+      </p:sp>
+      <p:pic>
+        <p:nvPicPr>
+          <p:cNvPr id="48" name="Picture 47">
+            <a:extLst>
+              <a:ext uri="{FF2B5EF4-FFF2-40B4-BE49-F238E27FC236}">
+                <a16:creationId xmlns:a16="http://schemas.microsoft.com/office/drawing/2014/main" id="{AD4A0951-AF1F-A5C0-A6B5-46C7899300BE}"/>
+              </a:ext>
+            </a:extLst>
+          </p:cNvPr>
+          <p:cNvPicPr>
+            <a:picLocks noChangeAspect="1"/>
+          </p:cNvPicPr>
+          <p:nvPr/>
+        </p:nvPicPr>
+        <p:blipFill>
+          <a:blip r:embed="rId5"/>
+          <a:stretch>
+            <a:fillRect/>
+          </a:stretch>
+        </p:blipFill>
+        <p:spPr>
+          <a:xfrm rot="5400000">
+            <a:off x="6784536" y="2135804"/>
+            <a:ext cx="493088" cy="427505"/>
+          </a:xfrm>
+          <a:prstGeom prst="rect">
+            <a:avLst/>
+          </a:prstGeom>
+        </p:spPr>
+      </p:pic>
+      <p:cxnSp>
+        <p:nvCxnSpPr>
+          <p:cNvPr id="49" name="Straight Connector 48">
+            <a:extLst>
+              <a:ext uri="{FF2B5EF4-FFF2-40B4-BE49-F238E27FC236}">
+                <a16:creationId xmlns:a16="http://schemas.microsoft.com/office/drawing/2014/main" id="{1D56C681-1BA1-6D59-E4CD-37292B0AD871}"/>
+              </a:ext>
+            </a:extLst>
+          </p:cNvPr>
+          <p:cNvCxnSpPr>
+            <a:cxnSpLocks/>
+          </p:cNvCxnSpPr>
+          <p:nvPr/>
+        </p:nvCxnSpPr>
+        <p:spPr>
+          <a:xfrm flipV="1">
+            <a:off x="6997069" y="1605197"/>
+            <a:ext cx="0" cy="498090"/>
+          </a:xfrm>
+          <a:prstGeom prst="line">
+            <a:avLst/>
+          </a:prstGeom>
+          <a:ln w="38100">
+            <a:solidFill>
+              <a:schemeClr val="tx1"/>
+            </a:solidFill>
+          </a:ln>
+        </p:spPr>
+        <p:style>
+          <a:lnRef idx="2">
+            <a:schemeClr val="accent1"/>
+          </a:lnRef>
+          <a:fillRef idx="0">
+            <a:schemeClr val="accent1"/>
+          </a:fillRef>
+          <a:effectRef idx="1">
+            <a:schemeClr val="accent1"/>
+          </a:effectRef>
+          <a:fontRef idx="minor">
+            <a:schemeClr val="tx1"/>
+          </a:fontRef>
+        </p:style>
+      </p:cxnSp>
+      <p:sp>
+        <p:nvSpPr>
+          <p:cNvPr id="55" name="TextBox 54">
+            <a:extLst>
+              <a:ext uri="{FF2B5EF4-FFF2-40B4-BE49-F238E27FC236}">
+                <a16:creationId xmlns:a16="http://schemas.microsoft.com/office/drawing/2014/main" id="{E5A82E23-1A7E-3C26-2A50-C8C0BAAAC2AF}"/>
+              </a:ext>
+            </a:extLst>
+          </p:cNvPr>
+          <p:cNvSpPr txBox="1"/>
+          <p:nvPr/>
+        </p:nvSpPr>
+        <p:spPr>
+          <a:xfrm>
+            <a:off x="6556711" y="1970857"/>
+            <a:ext cx="420308" cy="253916"/>
+          </a:xfrm>
+          <a:prstGeom prst="rect">
+            <a:avLst/>
+          </a:prstGeom>
+          <a:noFill/>
+        </p:spPr>
+        <p:txBody>
+          <a:bodyPr wrap="none" rtlCol="0">
+            <a:spAutoFit/>
+          </a:bodyPr>
+          <a:lstStyle/>
+          <a:p>
+            <a:r>
+              <a:rPr lang="en-US" sz="1050" dirty="0"/>
+              <a:t>LED</a:t>
+            </a:r>
+          </a:p>
+        </p:txBody>
+      </p:sp>
+      <p:sp>
+        <p:nvSpPr>
+          <p:cNvPr id="56" name="TextBox 55">
+            <a:extLst>
+              <a:ext uri="{FF2B5EF4-FFF2-40B4-BE49-F238E27FC236}">
+                <a16:creationId xmlns:a16="http://schemas.microsoft.com/office/drawing/2014/main" id="{550BE1D8-94B7-4E1B-28EE-6A4FEB607D74}"/>
+              </a:ext>
+            </a:extLst>
+          </p:cNvPr>
+          <p:cNvSpPr txBox="1"/>
+          <p:nvPr/>
+        </p:nvSpPr>
+        <p:spPr>
+          <a:xfrm>
+            <a:off x="4319690" y="3280186"/>
+            <a:ext cx="662361" cy="415498"/>
+          </a:xfrm>
+          <a:prstGeom prst="rect">
+            <a:avLst/>
+          </a:prstGeom>
+          <a:noFill/>
+        </p:spPr>
+        <p:txBody>
+          <a:bodyPr wrap="none" rtlCol="0">
+            <a:spAutoFit/>
+          </a:bodyPr>
+          <a:lstStyle/>
+          <a:p>
+            <a:r>
+              <a:rPr lang="en-US" sz="1050" dirty="0"/>
+              <a:t>Photo</a:t>
+            </a:r>
+          </a:p>
+          <a:p>
+            <a:r>
+              <a:rPr lang="en-US" sz="1050" dirty="0"/>
+              <a:t>Resistor</a:t>
+            </a:r>
+          </a:p>
+        </p:txBody>
+      </p:sp>
+    </p:spTree>
+    <p:extLst>
+      <p:ext uri="{BB962C8B-B14F-4D97-AF65-F5344CB8AC3E}">
+        <p14:creationId xmlns:p14="http://schemas.microsoft.com/office/powerpoint/2010/main" val="3700031521"/>
+      </p:ext>
+    </p:extLst>
+  </p:cSld>
+  <p:clrMapOvr>
+    <a:masterClrMapping/>
+  </p:clrMapOvr>
+</p:sld>
+</file>
+
 <file path=ppt/theme/theme1.xml><?xml version="1.0" encoding="utf-8"?>
 <a:theme xmlns:a="http://schemas.openxmlformats.org/drawingml/2006/main" name="Office Theme">
   <a:themeElements>
